--- a/output/figures/fw_memPres.pptx
+++ b/output/figures/fw_memPres.pptx
@@ -104,6 +104,11 @@
       </a:defRPr>
     </a:lvl9pPr>
   </p:defaultTextStyle>
+  <p:extLst>
+    <p:ext uri="{EFAFB233-063F-42B5-8137-9DF3F51BA10A}">
+      <p15:sldGuideLst xmlns:p15="http://schemas.microsoft.com/office/powerpoint/2012/main"/>
+    </p:ext>
+  </p:extLst>
 </p:presentation>
 </file>
 
@@ -238,7 +243,7 @@
           <a:p>
             <a:fld id="{BADD87DB-56AE-444B-AB5A-281443860504}" type="datetimeFigureOut">
               <a:rPr lang="en-US" smtClean="0"/>
-              <a:t>3/4/22</a:t>
+              <a:t>3/15/22</a:t>
             </a:fld>
             <a:endParaRPr lang="en-US"/>
           </a:p>
@@ -408,7 +413,7 @@
           <a:p>
             <a:fld id="{BADD87DB-56AE-444B-AB5A-281443860504}" type="datetimeFigureOut">
               <a:rPr lang="en-US" smtClean="0"/>
-              <a:t>3/4/22</a:t>
+              <a:t>3/15/22</a:t>
             </a:fld>
             <a:endParaRPr lang="en-US"/>
           </a:p>
@@ -588,7 +593,7 @@
           <a:p>
             <a:fld id="{BADD87DB-56AE-444B-AB5A-281443860504}" type="datetimeFigureOut">
               <a:rPr lang="en-US" smtClean="0"/>
-              <a:t>3/4/22</a:t>
+              <a:t>3/15/22</a:t>
             </a:fld>
             <a:endParaRPr lang="en-US"/>
           </a:p>
@@ -758,7 +763,7 @@
           <a:p>
             <a:fld id="{BADD87DB-56AE-444B-AB5A-281443860504}" type="datetimeFigureOut">
               <a:rPr lang="en-US" smtClean="0"/>
-              <a:t>3/4/22</a:t>
+              <a:t>3/15/22</a:t>
             </a:fld>
             <a:endParaRPr lang="en-US"/>
           </a:p>
@@ -1004,7 +1009,7 @@
           <a:p>
             <a:fld id="{BADD87DB-56AE-444B-AB5A-281443860504}" type="datetimeFigureOut">
               <a:rPr lang="en-US" smtClean="0"/>
-              <a:t>3/4/22</a:t>
+              <a:t>3/15/22</a:t>
             </a:fld>
             <a:endParaRPr lang="en-US"/>
           </a:p>
@@ -1236,7 +1241,7 @@
           <a:p>
             <a:fld id="{BADD87DB-56AE-444B-AB5A-281443860504}" type="datetimeFigureOut">
               <a:rPr lang="en-US" smtClean="0"/>
-              <a:t>3/4/22</a:t>
+              <a:t>3/15/22</a:t>
             </a:fld>
             <a:endParaRPr lang="en-US"/>
           </a:p>
@@ -1603,7 +1608,7 @@
           <a:p>
             <a:fld id="{BADD87DB-56AE-444B-AB5A-281443860504}" type="datetimeFigureOut">
               <a:rPr lang="en-US" smtClean="0"/>
-              <a:t>3/4/22</a:t>
+              <a:t>3/15/22</a:t>
             </a:fld>
             <a:endParaRPr lang="en-US"/>
           </a:p>
@@ -1721,7 +1726,7 @@
           <a:p>
             <a:fld id="{BADD87DB-56AE-444B-AB5A-281443860504}" type="datetimeFigureOut">
               <a:rPr lang="en-US" smtClean="0"/>
-              <a:t>3/4/22</a:t>
+              <a:t>3/15/22</a:t>
             </a:fld>
             <a:endParaRPr lang="en-US"/>
           </a:p>
@@ -1816,7 +1821,7 @@
           <a:p>
             <a:fld id="{BADD87DB-56AE-444B-AB5A-281443860504}" type="datetimeFigureOut">
               <a:rPr lang="en-US" smtClean="0"/>
-              <a:t>3/4/22</a:t>
+              <a:t>3/15/22</a:t>
             </a:fld>
             <a:endParaRPr lang="en-US"/>
           </a:p>
@@ -2093,7 +2098,7 @@
           <a:p>
             <a:fld id="{BADD87DB-56AE-444B-AB5A-281443860504}" type="datetimeFigureOut">
               <a:rPr lang="en-US" smtClean="0"/>
-              <a:t>3/4/22</a:t>
+              <a:t>3/15/22</a:t>
             </a:fld>
             <a:endParaRPr lang="en-US"/>
           </a:p>
@@ -2350,7 +2355,7 @@
           <a:p>
             <a:fld id="{BADD87DB-56AE-444B-AB5A-281443860504}" type="datetimeFigureOut">
               <a:rPr lang="en-US" smtClean="0"/>
-              <a:t>3/4/22</a:t>
+              <a:t>3/15/22</a:t>
             </a:fld>
             <a:endParaRPr lang="en-US"/>
           </a:p>
@@ -2563,7 +2568,7 @@
           <a:p>
             <a:fld id="{BADD87DB-56AE-444B-AB5A-281443860504}" type="datetimeFigureOut">
               <a:rPr lang="en-US" smtClean="0"/>
-              <a:t>3/4/22</a:t>
+              <a:t>3/15/22</a:t>
             </a:fld>
             <a:endParaRPr lang="en-US"/>
           </a:p>
@@ -2982,7 +2987,7 @@
         </p:nvSpPr>
         <p:spPr>
           <a:xfrm>
-            <a:off x="428634" y="1294198"/>
+            <a:off x="5045902" y="135355"/>
             <a:ext cx="2389299" cy="400110"/>
           </a:xfrm>
           <a:prstGeom prst="rect">
@@ -2999,76 +3004,6 @@
             <a:r>
               <a:rPr lang="en-US" sz="2000" dirty="0"/>
               <a:t>Presentation 1 v 2</a:t>
-            </a:r>
-          </a:p>
-        </p:txBody>
-      </p:sp>
-      <p:sp>
-        <p:nvSpPr>
-          <p:cNvPr id="5" name="TextBox 4">
-            <a:extLst>
-              <a:ext uri="{FF2B5EF4-FFF2-40B4-BE49-F238E27FC236}">
-                <a16:creationId xmlns:a16="http://schemas.microsoft.com/office/drawing/2014/main" id="{D5954A8F-4E23-684A-B8CD-46004B497ACD}"/>
-              </a:ext>
-            </a:extLst>
-          </p:cNvPr>
-          <p:cNvSpPr txBox="1"/>
-          <p:nvPr/>
-        </p:nvSpPr>
-        <p:spPr>
-          <a:xfrm>
-            <a:off x="545120" y="2802522"/>
-            <a:ext cx="2233985" cy="400110"/>
-          </a:xfrm>
-          <a:prstGeom prst="rect">
-            <a:avLst/>
-          </a:prstGeom>
-          <a:noFill/>
-        </p:spPr>
-        <p:txBody>
-          <a:bodyPr wrap="square" rtlCol="0">
-            <a:spAutoFit/>
-          </a:bodyPr>
-          <a:lstStyle/>
-          <a:p>
-            <a:r>
-              <a:rPr lang="en-US" sz="2000" dirty="0"/>
-              <a:t>Presentation 2 v 3</a:t>
-            </a:r>
-          </a:p>
-        </p:txBody>
-      </p:sp>
-      <p:sp>
-        <p:nvSpPr>
-          <p:cNvPr id="6" name="TextBox 5">
-            <a:extLst>
-              <a:ext uri="{FF2B5EF4-FFF2-40B4-BE49-F238E27FC236}">
-                <a16:creationId xmlns:a16="http://schemas.microsoft.com/office/drawing/2014/main" id="{B11C5822-AA9F-374A-A5B7-7A4C635A883F}"/>
-              </a:ext>
-            </a:extLst>
-          </p:cNvPr>
-          <p:cNvSpPr txBox="1"/>
-          <p:nvPr/>
-        </p:nvSpPr>
-        <p:spPr>
-          <a:xfrm>
-            <a:off x="506291" y="4275552"/>
-            <a:ext cx="2233984" cy="400110"/>
-          </a:xfrm>
-          <a:prstGeom prst="rect">
-            <a:avLst/>
-          </a:prstGeom>
-          <a:noFill/>
-        </p:spPr>
-        <p:txBody>
-          <a:bodyPr wrap="square" rtlCol="0">
-            <a:spAutoFit/>
-          </a:bodyPr>
-          <a:lstStyle/>
-          <a:p>
-            <a:r>
-              <a:rPr lang="en-US" sz="2000" dirty="0"/>
-              <a:t>Presentation 1 v 3</a:t>
             </a:r>
           </a:p>
         </p:txBody>
@@ -3087,7 +3022,7 @@
         </p:nvSpPr>
         <p:spPr>
           <a:xfrm>
-            <a:off x="3009040" y="310367"/>
+            <a:off x="777038" y="971270"/>
             <a:ext cx="1197706" cy="461665"/>
           </a:xfrm>
           <a:prstGeom prst="rect">
@@ -3122,7 +3057,7 @@
         </p:nvSpPr>
         <p:spPr>
           <a:xfrm>
-            <a:off x="7330473" y="310367"/>
+            <a:off x="770940" y="3490058"/>
             <a:ext cx="1336644" cy="461665"/>
           </a:xfrm>
           <a:prstGeom prst="rect">
@@ -3138,7 +3073,7 @@
           <a:p>
             <a:r>
               <a:rPr lang="en-US" sz="2400" dirty="0"/>
-              <a:t>MSC04</a:t>
+              <a:t>MSC05</a:t>
             </a:r>
           </a:p>
         </p:txBody>
@@ -3157,7 +3092,7 @@
         </p:nvSpPr>
         <p:spPr>
           <a:xfrm>
-            <a:off x="5192744" y="310367"/>
+            <a:off x="770940" y="1600967"/>
             <a:ext cx="1336644" cy="461665"/>
           </a:xfrm>
           <a:prstGeom prst="rect">
@@ -3178,267 +3113,6 @@
           </a:p>
         </p:txBody>
       </p:sp>
-      <p:pic>
-        <p:nvPicPr>
-          <p:cNvPr id="16" name="Picture 15">
-            <a:extLst>
-              <a:ext uri="{FF2B5EF4-FFF2-40B4-BE49-F238E27FC236}">
-                <a16:creationId xmlns:a16="http://schemas.microsoft.com/office/drawing/2014/main" id="{402065E3-3E78-AE42-BF44-982DC27C6D17}"/>
-              </a:ext>
-            </a:extLst>
-          </p:cNvPr>
-          <p:cNvPicPr>
-            <a:picLocks noChangeAspect="1"/>
-          </p:cNvPicPr>
-          <p:nvPr/>
-        </p:nvPicPr>
-        <p:blipFill rotWithShape="1">
-          <a:blip r:embed="rId2"/>
-          <a:srcRect l="13830" r="13830"/>
-          <a:stretch/>
-        </p:blipFill>
-        <p:spPr>
-          <a:xfrm>
-            <a:off x="2548135" y="793064"/>
-            <a:ext cx="1973480" cy="1371600"/>
-          </a:xfrm>
-          <a:prstGeom prst="rect">
-            <a:avLst/>
-          </a:prstGeom>
-        </p:spPr>
-      </p:pic>
-      <p:pic>
-        <p:nvPicPr>
-          <p:cNvPr id="18" name="Picture 17">
-            <a:extLst>
-              <a:ext uri="{FF2B5EF4-FFF2-40B4-BE49-F238E27FC236}">
-                <a16:creationId xmlns:a16="http://schemas.microsoft.com/office/drawing/2014/main" id="{8589051D-2AD2-8649-B44A-61C57A760DBC}"/>
-              </a:ext>
-            </a:extLst>
-          </p:cNvPr>
-          <p:cNvPicPr>
-            <a:picLocks noChangeAspect="1"/>
-          </p:cNvPicPr>
-          <p:nvPr/>
-        </p:nvPicPr>
-        <p:blipFill rotWithShape="1">
-          <a:blip r:embed="rId3"/>
-          <a:srcRect l="14717" r="14297"/>
-          <a:stretch/>
-        </p:blipFill>
-        <p:spPr>
-          <a:xfrm>
-            <a:off x="2565882" y="2286658"/>
-            <a:ext cx="1936568" cy="1371600"/>
-          </a:xfrm>
-          <a:prstGeom prst="rect">
-            <a:avLst/>
-          </a:prstGeom>
-        </p:spPr>
-      </p:pic>
-      <p:pic>
-        <p:nvPicPr>
-          <p:cNvPr id="20" name="Picture 19">
-            <a:extLst>
-              <a:ext uri="{FF2B5EF4-FFF2-40B4-BE49-F238E27FC236}">
-                <a16:creationId xmlns:a16="http://schemas.microsoft.com/office/drawing/2014/main" id="{9D9EDD56-2A93-C947-BFCD-47106B21FB2E}"/>
-              </a:ext>
-            </a:extLst>
-          </p:cNvPr>
-          <p:cNvPicPr>
-            <a:picLocks noChangeAspect="1"/>
-          </p:cNvPicPr>
-          <p:nvPr/>
-        </p:nvPicPr>
-        <p:blipFill rotWithShape="1">
-          <a:blip r:embed="rId4"/>
-          <a:srcRect l="14717" r="14297"/>
-          <a:stretch/>
-        </p:blipFill>
-        <p:spPr>
-          <a:xfrm>
-            <a:off x="2570782" y="3783580"/>
-            <a:ext cx="1936569" cy="1371600"/>
-          </a:xfrm>
-          <a:prstGeom prst="rect">
-            <a:avLst/>
-          </a:prstGeom>
-        </p:spPr>
-      </p:pic>
-      <p:pic>
-        <p:nvPicPr>
-          <p:cNvPr id="22" name="Picture 21">
-            <a:extLst>
-              <a:ext uri="{FF2B5EF4-FFF2-40B4-BE49-F238E27FC236}">
-                <a16:creationId xmlns:a16="http://schemas.microsoft.com/office/drawing/2014/main" id="{C43B5D1B-9D90-8045-A821-3C6989ACCBD2}"/>
-              </a:ext>
-            </a:extLst>
-          </p:cNvPr>
-          <p:cNvPicPr>
-            <a:picLocks noChangeAspect="1"/>
-          </p:cNvPicPr>
-          <p:nvPr/>
-        </p:nvPicPr>
-        <p:blipFill rotWithShape="1">
-          <a:blip r:embed="rId5"/>
-          <a:srcRect l="14358" r="13578"/>
-          <a:stretch/>
-        </p:blipFill>
-        <p:spPr>
-          <a:xfrm>
-            <a:off x="4696650" y="793064"/>
-            <a:ext cx="1965960" cy="1371600"/>
-          </a:xfrm>
-          <a:prstGeom prst="rect">
-            <a:avLst/>
-          </a:prstGeom>
-        </p:spPr>
-      </p:pic>
-      <p:pic>
-        <p:nvPicPr>
-          <p:cNvPr id="24" name="Picture 23">
-            <a:extLst>
-              <a:ext uri="{FF2B5EF4-FFF2-40B4-BE49-F238E27FC236}">
-                <a16:creationId xmlns:a16="http://schemas.microsoft.com/office/drawing/2014/main" id="{2E4755AC-640E-6E4E-8437-ACDC37558F7E}"/>
-              </a:ext>
-            </a:extLst>
-          </p:cNvPr>
-          <p:cNvPicPr>
-            <a:picLocks noChangeAspect="1"/>
-          </p:cNvPicPr>
-          <p:nvPr/>
-        </p:nvPicPr>
-        <p:blipFill rotWithShape="1">
-          <a:blip r:embed="rId6"/>
-          <a:srcRect l="14238" r="14176"/>
-          <a:stretch/>
-        </p:blipFill>
-        <p:spPr>
-          <a:xfrm>
-            <a:off x="4709952" y="2286658"/>
-            <a:ext cx="1952897" cy="1371600"/>
-          </a:xfrm>
-          <a:prstGeom prst="rect">
-            <a:avLst/>
-          </a:prstGeom>
-        </p:spPr>
-      </p:pic>
-      <p:pic>
-        <p:nvPicPr>
-          <p:cNvPr id="26" name="Picture 25">
-            <a:extLst>
-              <a:ext uri="{FF2B5EF4-FFF2-40B4-BE49-F238E27FC236}">
-                <a16:creationId xmlns:a16="http://schemas.microsoft.com/office/drawing/2014/main" id="{F008F65E-972D-6246-8C29-2885E273F916}"/>
-              </a:ext>
-            </a:extLst>
-          </p:cNvPr>
-          <p:cNvPicPr>
-            <a:picLocks noChangeAspect="1"/>
-          </p:cNvPicPr>
-          <p:nvPr/>
-        </p:nvPicPr>
-        <p:blipFill rotWithShape="1">
-          <a:blip r:embed="rId7"/>
-          <a:srcRect l="14597" r="13937"/>
-          <a:stretch/>
-        </p:blipFill>
-        <p:spPr>
-          <a:xfrm>
-            <a:off x="4708585" y="3783580"/>
-            <a:ext cx="1949631" cy="1371600"/>
-          </a:xfrm>
-          <a:prstGeom prst="rect">
-            <a:avLst/>
-          </a:prstGeom>
-        </p:spPr>
-      </p:pic>
-      <p:pic>
-        <p:nvPicPr>
-          <p:cNvPr id="34" name="Picture 33">
-            <a:extLst>
-              <a:ext uri="{FF2B5EF4-FFF2-40B4-BE49-F238E27FC236}">
-                <a16:creationId xmlns:a16="http://schemas.microsoft.com/office/drawing/2014/main" id="{55EB4BE4-CF87-204B-AB6B-96507854DFF7}"/>
-              </a:ext>
-            </a:extLst>
-          </p:cNvPr>
-          <p:cNvPicPr>
-            <a:picLocks noChangeAspect="1"/>
-          </p:cNvPicPr>
-          <p:nvPr/>
-        </p:nvPicPr>
-        <p:blipFill rotWithShape="1">
-          <a:blip r:embed="rId8"/>
-          <a:srcRect l="13998" r="14178"/>
-          <a:stretch/>
-        </p:blipFill>
-        <p:spPr>
-          <a:xfrm>
-            <a:off x="6837647" y="793064"/>
-            <a:ext cx="1959429" cy="1371600"/>
-          </a:xfrm>
-          <a:prstGeom prst="rect">
-            <a:avLst/>
-          </a:prstGeom>
-        </p:spPr>
-      </p:pic>
-      <p:pic>
-        <p:nvPicPr>
-          <p:cNvPr id="36" name="Picture 35">
-            <a:extLst>
-              <a:ext uri="{FF2B5EF4-FFF2-40B4-BE49-F238E27FC236}">
-                <a16:creationId xmlns:a16="http://schemas.microsoft.com/office/drawing/2014/main" id="{45A1C811-45C6-A846-8137-8746B6AA7EDC}"/>
-              </a:ext>
-            </a:extLst>
-          </p:cNvPr>
-          <p:cNvPicPr>
-            <a:picLocks noChangeAspect="1"/>
-          </p:cNvPicPr>
-          <p:nvPr/>
-        </p:nvPicPr>
-        <p:blipFill rotWithShape="1">
-          <a:blip r:embed="rId9"/>
-          <a:srcRect l="14238" r="14176"/>
-          <a:stretch/>
-        </p:blipFill>
-        <p:spPr>
-          <a:xfrm>
-            <a:off x="6870349" y="2286658"/>
-            <a:ext cx="1952897" cy="1371600"/>
-          </a:xfrm>
-          <a:prstGeom prst="rect">
-            <a:avLst/>
-          </a:prstGeom>
-        </p:spPr>
-      </p:pic>
-      <p:pic>
-        <p:nvPicPr>
-          <p:cNvPr id="38" name="Picture 37">
-            <a:extLst>
-              <a:ext uri="{FF2B5EF4-FFF2-40B4-BE49-F238E27FC236}">
-                <a16:creationId xmlns:a16="http://schemas.microsoft.com/office/drawing/2014/main" id="{42FECE31-24C3-8043-A4E4-6B3D7C67C77B}"/>
-              </a:ext>
-            </a:extLst>
-          </p:cNvPr>
-          <p:cNvPicPr>
-            <a:picLocks noChangeAspect="1"/>
-          </p:cNvPicPr>
-          <p:nvPr/>
-        </p:nvPicPr>
-        <p:blipFill rotWithShape="1">
-          <a:blip r:embed="rId10"/>
-          <a:srcRect l="14836" r="14416"/>
-          <a:stretch/>
-        </p:blipFill>
-        <p:spPr>
-          <a:xfrm>
-            <a:off x="6859450" y="3783580"/>
-            <a:ext cx="1930037" cy="1371600"/>
-          </a:xfrm>
-          <a:prstGeom prst="rect">
-            <a:avLst/>
-          </a:prstGeom>
-        </p:spPr>
-      </p:pic>
       <p:sp>
         <p:nvSpPr>
           <p:cNvPr id="39" name="TextBox 38">
@@ -3453,7 +3127,7 @@
         </p:nvSpPr>
         <p:spPr>
           <a:xfrm>
-            <a:off x="9346440" y="310367"/>
+            <a:off x="642306" y="6008844"/>
             <a:ext cx="1593912" cy="461665"/>
           </a:xfrm>
           <a:prstGeom prst="rect">
@@ -3475,93 +3149,6 @@
           </a:p>
         </p:txBody>
       </p:sp>
-      <p:pic>
-        <p:nvPicPr>
-          <p:cNvPr id="41" name="Picture 40">
-            <a:extLst>
-              <a:ext uri="{FF2B5EF4-FFF2-40B4-BE49-F238E27FC236}">
-                <a16:creationId xmlns:a16="http://schemas.microsoft.com/office/drawing/2014/main" id="{FBED9065-3089-E64E-A223-904AC325D0C3}"/>
-              </a:ext>
-            </a:extLst>
-          </p:cNvPr>
-          <p:cNvPicPr>
-            <a:picLocks noChangeAspect="1"/>
-          </p:cNvPicPr>
-          <p:nvPr/>
-        </p:nvPicPr>
-        <p:blipFill rotWithShape="1">
-          <a:blip r:embed="rId11"/>
-          <a:srcRect l="14358" r="14297"/>
-          <a:stretch/>
-        </p:blipFill>
-        <p:spPr>
-          <a:xfrm>
-            <a:off x="8972110" y="793064"/>
-            <a:ext cx="1946366" cy="1371600"/>
-          </a:xfrm>
-          <a:prstGeom prst="rect">
-            <a:avLst/>
-          </a:prstGeom>
-        </p:spPr>
-      </p:pic>
-      <p:pic>
-        <p:nvPicPr>
-          <p:cNvPr id="43" name="Picture 42">
-            <a:extLst>
-              <a:ext uri="{FF2B5EF4-FFF2-40B4-BE49-F238E27FC236}">
-                <a16:creationId xmlns:a16="http://schemas.microsoft.com/office/drawing/2014/main" id="{B5EF6736-CE54-9B4D-9C8A-C4F60FEA90C4}"/>
-              </a:ext>
-            </a:extLst>
-          </p:cNvPr>
-          <p:cNvPicPr>
-            <a:picLocks noChangeAspect="1"/>
-          </p:cNvPicPr>
-          <p:nvPr/>
-        </p:nvPicPr>
-        <p:blipFill rotWithShape="1">
-          <a:blip r:embed="rId12"/>
-          <a:srcRect l="14477" r="14416"/>
-          <a:stretch/>
-        </p:blipFill>
-        <p:spPr>
-          <a:xfrm>
-            <a:off x="9030744" y="2286658"/>
-            <a:ext cx="1939834" cy="1371600"/>
-          </a:xfrm>
-          <a:prstGeom prst="rect">
-            <a:avLst/>
-          </a:prstGeom>
-        </p:spPr>
-      </p:pic>
-      <p:pic>
-        <p:nvPicPr>
-          <p:cNvPr id="45" name="Picture 44">
-            <a:extLst>
-              <a:ext uri="{FF2B5EF4-FFF2-40B4-BE49-F238E27FC236}">
-                <a16:creationId xmlns:a16="http://schemas.microsoft.com/office/drawing/2014/main" id="{73387612-0625-7B49-B7CB-A344FA40CC1C}"/>
-              </a:ext>
-            </a:extLst>
-          </p:cNvPr>
-          <p:cNvPicPr>
-            <a:picLocks noChangeAspect="1"/>
-          </p:cNvPicPr>
-          <p:nvPr/>
-        </p:nvPicPr>
-        <p:blipFill rotWithShape="1">
-          <a:blip r:embed="rId13"/>
-          <a:srcRect l="14598" r="13937"/>
-          <a:stretch/>
-        </p:blipFill>
-        <p:spPr>
-          <a:xfrm>
-            <a:off x="8990721" y="3783580"/>
-            <a:ext cx="1949631" cy="1371600"/>
-          </a:xfrm>
-          <a:prstGeom prst="rect">
-            <a:avLst/>
-          </a:prstGeom>
-        </p:spPr>
-      </p:pic>
       <p:pic>
         <p:nvPicPr>
           <p:cNvPr id="47" name="Picture 46">
@@ -3577,14 +3164,14 @@
           <p:nvPr/>
         </p:nvPicPr>
         <p:blipFill rotWithShape="1">
-          <a:blip r:embed="rId14"/>
+          <a:blip r:embed="rId2"/>
           <a:srcRect t="37060" r="2565" b="13793"/>
           <a:stretch/>
         </p:blipFill>
         <p:spPr>
           <a:xfrm>
-            <a:off x="3047987" y="5527200"/>
-            <a:ext cx="6858000" cy="182880"/>
+            <a:off x="9859223" y="5732738"/>
+            <a:ext cx="3197369" cy="276106"/>
           </a:xfrm>
           <a:prstGeom prst="rect">
             <a:avLst/>
@@ -3605,8 +3192,8 @@
         </p:nvSpPr>
         <p:spPr>
           <a:xfrm>
-            <a:off x="2663856" y="5433974"/>
-            <a:ext cx="345184" cy="369332"/>
+            <a:off x="9243588" y="5732738"/>
+            <a:ext cx="615635" cy="369332"/>
           </a:xfrm>
           <a:prstGeom prst="rect">
             <a:avLst/>
@@ -3621,7 +3208,7 @@
           <a:p>
             <a:r>
               <a:rPr lang="en-US" dirty="0"/>
-              <a:t>0</a:t>
+              <a:t>.02</a:t>
             </a:r>
           </a:p>
         </p:txBody>
@@ -3640,7 +3227,7 @@
         </p:nvSpPr>
         <p:spPr>
           <a:xfrm>
-            <a:off x="9905987" y="5433974"/>
+            <a:off x="13056593" y="5732738"/>
             <a:ext cx="638160" cy="369332"/>
           </a:xfrm>
           <a:prstGeom prst="rect">
@@ -3656,7 +3243,182 @@
           <a:p>
             <a:r>
               <a:rPr lang="en-US" dirty="0"/>
-              <a:t>.15</a:t>
+              <a:t>.1</a:t>
+            </a:r>
+          </a:p>
+        </p:txBody>
+      </p:sp>
+      <p:sp>
+        <p:nvSpPr>
+          <p:cNvPr id="25" name="TextBox 24">
+            <a:extLst>
+              <a:ext uri="{FF2B5EF4-FFF2-40B4-BE49-F238E27FC236}">
+                <a16:creationId xmlns:a16="http://schemas.microsoft.com/office/drawing/2014/main" id="{40787FA9-400E-B241-B4C1-32AF11B45B07}"/>
+              </a:ext>
+            </a:extLst>
+          </p:cNvPr>
+          <p:cNvSpPr txBox="1"/>
+          <p:nvPr/>
+        </p:nvSpPr>
+        <p:spPr>
+          <a:xfrm>
+            <a:off x="770940" y="4119755"/>
+            <a:ext cx="1336644" cy="461665"/>
+          </a:xfrm>
+          <a:prstGeom prst="rect">
+            <a:avLst/>
+          </a:prstGeom>
+          <a:noFill/>
+        </p:spPr>
+        <p:txBody>
+          <a:bodyPr wrap="square" rtlCol="0">
+            <a:spAutoFit/>
+          </a:bodyPr>
+          <a:lstStyle/>
+          <a:p>
+            <a:r>
+              <a:rPr lang="en-US" sz="2400" dirty="0"/>
+              <a:t>MSC06</a:t>
+            </a:r>
+          </a:p>
+        </p:txBody>
+      </p:sp>
+      <p:sp>
+        <p:nvSpPr>
+          <p:cNvPr id="27" name="TextBox 26">
+            <a:extLst>
+              <a:ext uri="{FF2B5EF4-FFF2-40B4-BE49-F238E27FC236}">
+                <a16:creationId xmlns:a16="http://schemas.microsoft.com/office/drawing/2014/main" id="{B5B8A2CE-47CC-D149-900D-A013FE16DE2D}"/>
+              </a:ext>
+            </a:extLst>
+          </p:cNvPr>
+          <p:cNvSpPr txBox="1"/>
+          <p:nvPr/>
+        </p:nvSpPr>
+        <p:spPr>
+          <a:xfrm>
+            <a:off x="770940" y="4749452"/>
+            <a:ext cx="1336644" cy="461665"/>
+          </a:xfrm>
+          <a:prstGeom prst="rect">
+            <a:avLst/>
+          </a:prstGeom>
+          <a:noFill/>
+        </p:spPr>
+        <p:txBody>
+          <a:bodyPr wrap="square" rtlCol="0">
+            <a:spAutoFit/>
+          </a:bodyPr>
+          <a:lstStyle/>
+          <a:p>
+            <a:r>
+              <a:rPr lang="en-US" sz="2400" dirty="0"/>
+              <a:t>MSC07</a:t>
+            </a:r>
+          </a:p>
+        </p:txBody>
+      </p:sp>
+      <p:sp>
+        <p:nvSpPr>
+          <p:cNvPr id="28" name="TextBox 27">
+            <a:extLst>
+              <a:ext uri="{FF2B5EF4-FFF2-40B4-BE49-F238E27FC236}">
+                <a16:creationId xmlns:a16="http://schemas.microsoft.com/office/drawing/2014/main" id="{47FA3F92-C736-364E-899F-52BFA7787173}"/>
+              </a:ext>
+            </a:extLst>
+          </p:cNvPr>
+          <p:cNvSpPr txBox="1"/>
+          <p:nvPr/>
+        </p:nvSpPr>
+        <p:spPr>
+          <a:xfrm>
+            <a:off x="770940" y="5379149"/>
+            <a:ext cx="1336644" cy="461665"/>
+          </a:xfrm>
+          <a:prstGeom prst="rect">
+            <a:avLst/>
+          </a:prstGeom>
+          <a:noFill/>
+        </p:spPr>
+        <p:txBody>
+          <a:bodyPr wrap="square" rtlCol="0">
+            <a:spAutoFit/>
+          </a:bodyPr>
+          <a:lstStyle/>
+          <a:p>
+            <a:r>
+              <a:rPr lang="en-US" sz="2400" dirty="0"/>
+              <a:t>MSC10</a:t>
+            </a:r>
+          </a:p>
+        </p:txBody>
+      </p:sp>
+      <p:sp>
+        <p:nvSpPr>
+          <p:cNvPr id="30" name="TextBox 29">
+            <a:extLst>
+              <a:ext uri="{FF2B5EF4-FFF2-40B4-BE49-F238E27FC236}">
+                <a16:creationId xmlns:a16="http://schemas.microsoft.com/office/drawing/2014/main" id="{CCEDCA7F-37E8-3F44-A16A-40595770A4C2}"/>
+              </a:ext>
+            </a:extLst>
+          </p:cNvPr>
+          <p:cNvSpPr txBox="1"/>
+          <p:nvPr/>
+        </p:nvSpPr>
+        <p:spPr>
+          <a:xfrm>
+            <a:off x="770940" y="2860361"/>
+            <a:ext cx="1336644" cy="461665"/>
+          </a:xfrm>
+          <a:prstGeom prst="rect">
+            <a:avLst/>
+          </a:prstGeom>
+          <a:noFill/>
+        </p:spPr>
+        <p:txBody>
+          <a:bodyPr wrap="square" rtlCol="0">
+            <a:spAutoFit/>
+          </a:bodyPr>
+          <a:lstStyle/>
+          <a:p>
+            <a:r>
+              <a:rPr lang="en-US" sz="2400" dirty="0"/>
+              <a:t>MSC04</a:t>
+            </a:r>
+          </a:p>
+        </p:txBody>
+      </p:sp>
+      <p:sp>
+        <p:nvSpPr>
+          <p:cNvPr id="31" name="TextBox 30">
+            <a:extLst>
+              <a:ext uri="{FF2B5EF4-FFF2-40B4-BE49-F238E27FC236}">
+                <a16:creationId xmlns:a16="http://schemas.microsoft.com/office/drawing/2014/main" id="{53AF848A-335C-BE41-9E86-0B4782743CCB}"/>
+              </a:ext>
+            </a:extLst>
+          </p:cNvPr>
+          <p:cNvSpPr txBox="1"/>
+          <p:nvPr/>
+        </p:nvSpPr>
+        <p:spPr>
+          <a:xfrm>
+            <a:off x="770940" y="2230664"/>
+            <a:ext cx="1336644" cy="461665"/>
+          </a:xfrm>
+          <a:prstGeom prst="rect">
+            <a:avLst/>
+          </a:prstGeom>
+          <a:noFill/>
+        </p:spPr>
+        <p:txBody>
+          <a:bodyPr wrap="square" rtlCol="0">
+            <a:spAutoFit/>
+          </a:bodyPr>
+          <a:lstStyle/>
+          <a:p>
+            <a:r>
+              <a:rPr lang="en-US" sz="2400" dirty="0"/>
+              <a:t>MSC03</a:t>
             </a:r>
           </a:p>
         </p:txBody>

--- a/output/figures/fw_memPres.pptx
+++ b/output/figures/fw_memPres.pptx
@@ -6,6 +6,15 @@
   </p:sldMasterIdLst>
   <p:sldIdLst>
     <p:sldId id="256" r:id="rId2"/>
+    <p:sldId id="257" r:id="rId3"/>
+    <p:sldId id="258" r:id="rId4"/>
+    <p:sldId id="259" r:id="rId5"/>
+    <p:sldId id="260" r:id="rId6"/>
+    <p:sldId id="261" r:id="rId7"/>
+    <p:sldId id="262" r:id="rId8"/>
+    <p:sldId id="263" r:id="rId9"/>
+    <p:sldId id="264" r:id="rId10"/>
+    <p:sldId id="265" r:id="rId11"/>
   </p:sldIdLst>
   <p:sldSz cx="14112875" cy="6858000"/>
   <p:notesSz cx="6858000" cy="9144000"/>
@@ -243,7 +252,7 @@
           <a:p>
             <a:fld id="{BADD87DB-56AE-444B-AB5A-281443860504}" type="datetimeFigureOut">
               <a:rPr lang="en-US" smtClean="0"/>
-              <a:t>3/15/22</a:t>
+              <a:t>3/16/22</a:t>
             </a:fld>
             <a:endParaRPr lang="en-US"/>
           </a:p>
@@ -413,7 +422,7 @@
           <a:p>
             <a:fld id="{BADD87DB-56AE-444B-AB5A-281443860504}" type="datetimeFigureOut">
               <a:rPr lang="en-US" smtClean="0"/>
-              <a:t>3/15/22</a:t>
+              <a:t>3/16/22</a:t>
             </a:fld>
             <a:endParaRPr lang="en-US"/>
           </a:p>
@@ -593,7 +602,7 @@
           <a:p>
             <a:fld id="{BADD87DB-56AE-444B-AB5A-281443860504}" type="datetimeFigureOut">
               <a:rPr lang="en-US" smtClean="0"/>
-              <a:t>3/15/22</a:t>
+              <a:t>3/16/22</a:t>
             </a:fld>
             <a:endParaRPr lang="en-US"/>
           </a:p>
@@ -763,7 +772,7 @@
           <a:p>
             <a:fld id="{BADD87DB-56AE-444B-AB5A-281443860504}" type="datetimeFigureOut">
               <a:rPr lang="en-US" smtClean="0"/>
-              <a:t>3/15/22</a:t>
+              <a:t>3/16/22</a:t>
             </a:fld>
             <a:endParaRPr lang="en-US"/>
           </a:p>
@@ -1009,7 +1018,7 @@
           <a:p>
             <a:fld id="{BADD87DB-56AE-444B-AB5A-281443860504}" type="datetimeFigureOut">
               <a:rPr lang="en-US" smtClean="0"/>
-              <a:t>3/15/22</a:t>
+              <a:t>3/16/22</a:t>
             </a:fld>
             <a:endParaRPr lang="en-US"/>
           </a:p>
@@ -1241,7 +1250,7 @@
           <a:p>
             <a:fld id="{BADD87DB-56AE-444B-AB5A-281443860504}" type="datetimeFigureOut">
               <a:rPr lang="en-US" smtClean="0"/>
-              <a:t>3/15/22</a:t>
+              <a:t>3/16/22</a:t>
             </a:fld>
             <a:endParaRPr lang="en-US"/>
           </a:p>
@@ -1608,7 +1617,7 @@
           <a:p>
             <a:fld id="{BADD87DB-56AE-444B-AB5A-281443860504}" type="datetimeFigureOut">
               <a:rPr lang="en-US" smtClean="0"/>
-              <a:t>3/15/22</a:t>
+              <a:t>3/16/22</a:t>
             </a:fld>
             <a:endParaRPr lang="en-US"/>
           </a:p>
@@ -1726,7 +1735,7 @@
           <a:p>
             <a:fld id="{BADD87DB-56AE-444B-AB5A-281443860504}" type="datetimeFigureOut">
               <a:rPr lang="en-US" smtClean="0"/>
-              <a:t>3/15/22</a:t>
+              <a:t>3/16/22</a:t>
             </a:fld>
             <a:endParaRPr lang="en-US"/>
           </a:p>
@@ -1821,7 +1830,7 @@
           <a:p>
             <a:fld id="{BADD87DB-56AE-444B-AB5A-281443860504}" type="datetimeFigureOut">
               <a:rPr lang="en-US" smtClean="0"/>
-              <a:t>3/15/22</a:t>
+              <a:t>3/16/22</a:t>
             </a:fld>
             <a:endParaRPr lang="en-US"/>
           </a:p>
@@ -2098,7 +2107,7 @@
           <a:p>
             <a:fld id="{BADD87DB-56AE-444B-AB5A-281443860504}" type="datetimeFigureOut">
               <a:rPr lang="en-US" smtClean="0"/>
-              <a:t>3/15/22</a:t>
+              <a:t>3/16/22</a:t>
             </a:fld>
             <a:endParaRPr lang="en-US"/>
           </a:p>
@@ -2355,7 +2364,7 @@
           <a:p>
             <a:fld id="{BADD87DB-56AE-444B-AB5A-281443860504}" type="datetimeFigureOut">
               <a:rPr lang="en-US" smtClean="0"/>
-              <a:t>3/15/22</a:t>
+              <a:t>3/16/22</a:t>
             </a:fld>
             <a:endParaRPr lang="en-US"/>
           </a:p>
@@ -2568,7 +2577,7 @@
           <a:p>
             <a:fld id="{BADD87DB-56AE-444B-AB5A-281443860504}" type="datetimeFigureOut">
               <a:rPr lang="en-US" smtClean="0"/>
-              <a:t>3/15/22</a:t>
+              <a:t>3/16/22</a:t>
             </a:fld>
             <a:endParaRPr lang="en-US"/>
           </a:p>
@@ -2987,8 +2996,8 @@
         </p:nvSpPr>
         <p:spPr>
           <a:xfrm>
-            <a:off x="5045902" y="135355"/>
-            <a:ext cx="2389299" cy="400110"/>
+            <a:off x="3585874" y="126632"/>
+            <a:ext cx="6941126" cy="523220"/>
           </a:xfrm>
           <a:prstGeom prst="rect">
             <a:avLst/>
@@ -3002,8 +3011,8 @@
           <a:lstStyle/>
           <a:p>
             <a:r>
-              <a:rPr lang="en-US" sz="2000" dirty="0"/>
-              <a:t>Presentation 1 v 2</a:t>
+              <a:rPr lang="en-US" sz="2800" dirty="0"/>
+              <a:t>Presentation 1 v 2 Feature Weights</a:t>
             </a:r>
           </a:p>
         </p:txBody>
@@ -3022,7 +3031,7 @@
         </p:nvSpPr>
         <p:spPr>
           <a:xfrm>
-            <a:off x="777038" y="971270"/>
+            <a:off x="3153301" y="743078"/>
             <a:ext cx="1197706" cy="461665"/>
           </a:xfrm>
           <a:prstGeom prst="rect">
@@ -3057,7 +3066,7 @@
         </p:nvSpPr>
         <p:spPr>
           <a:xfrm>
-            <a:off x="770940" y="3490058"/>
+            <a:off x="5459747" y="2696468"/>
             <a:ext cx="1336644" cy="461665"/>
           </a:xfrm>
           <a:prstGeom prst="rect">
@@ -3092,7 +3101,7 @@
         </p:nvSpPr>
         <p:spPr>
           <a:xfrm>
-            <a:off x="770940" y="1600967"/>
+            <a:off x="5459747" y="743078"/>
             <a:ext cx="1336644" cy="461665"/>
           </a:xfrm>
           <a:prstGeom prst="rect">
@@ -3127,7 +3136,7 @@
         </p:nvSpPr>
         <p:spPr>
           <a:xfrm>
-            <a:off x="642306" y="6008844"/>
+            <a:off x="7552469" y="4656165"/>
             <a:ext cx="1593912" cy="461665"/>
           </a:xfrm>
           <a:prstGeom prst="rect">
@@ -3169,9 +3178,9 @@
           <a:stretch/>
         </p:blipFill>
         <p:spPr>
-          <a:xfrm>
-            <a:off x="9859223" y="5732738"/>
-            <a:ext cx="3197369" cy="276106"/>
+          <a:xfrm rot="16200000">
+            <a:off x="8831596" y="3739365"/>
+            <a:ext cx="1747977" cy="223836"/>
           </a:xfrm>
           <a:prstGeom prst="rect">
             <a:avLst/>
@@ -3192,7 +3201,7 @@
         </p:nvSpPr>
         <p:spPr>
           <a:xfrm>
-            <a:off x="9243588" y="5732738"/>
+            <a:off x="9422629" y="4773598"/>
             <a:ext cx="615635" cy="369332"/>
           </a:xfrm>
           <a:prstGeom prst="rect">
@@ -3227,7 +3236,7 @@
         </p:nvSpPr>
         <p:spPr>
           <a:xfrm>
-            <a:off x="13056593" y="5732738"/>
+            <a:off x="9498423" y="2592154"/>
             <a:ext cx="638160" cy="369332"/>
           </a:xfrm>
           <a:prstGeom prst="rect">
@@ -3262,7 +3271,7 @@
         </p:nvSpPr>
         <p:spPr>
           <a:xfrm>
-            <a:off x="770940" y="4119755"/>
+            <a:off x="7681103" y="2696468"/>
             <a:ext cx="1336644" cy="461665"/>
           </a:xfrm>
           <a:prstGeom prst="rect">
@@ -3297,7 +3306,7 @@
         </p:nvSpPr>
         <p:spPr>
           <a:xfrm>
-            <a:off x="770940" y="4749452"/>
+            <a:off x="3132009" y="4656165"/>
             <a:ext cx="1336644" cy="461665"/>
           </a:xfrm>
           <a:prstGeom prst="rect">
@@ -3332,7 +3341,7 @@
         </p:nvSpPr>
         <p:spPr>
           <a:xfrm>
-            <a:off x="770940" y="5379149"/>
+            <a:off x="5459747" y="4656165"/>
             <a:ext cx="1336644" cy="461665"/>
           </a:xfrm>
           <a:prstGeom prst="rect">
@@ -3367,7 +3376,7 @@
         </p:nvSpPr>
         <p:spPr>
           <a:xfrm>
-            <a:off x="770940" y="2860361"/>
+            <a:off x="3036213" y="2696468"/>
             <a:ext cx="1336644" cy="461665"/>
           </a:xfrm>
           <a:prstGeom prst="rect">
@@ -3402,7 +3411,7 @@
         </p:nvSpPr>
         <p:spPr>
           <a:xfrm>
-            <a:off x="770940" y="2230664"/>
+            <a:off x="7681103" y="743078"/>
             <a:ext cx="1336644" cy="461665"/>
           </a:xfrm>
           <a:prstGeom prst="rect">
@@ -3419,6 +3428,311 @@
             <a:r>
               <a:rPr lang="en-US" sz="2400" dirty="0"/>
               <a:t>MSC03</a:t>
+            </a:r>
+          </a:p>
+        </p:txBody>
+      </p:sp>
+      <p:pic>
+        <p:nvPicPr>
+          <p:cNvPr id="3" name="Picture 2">
+            <a:extLst>
+              <a:ext uri="{FF2B5EF4-FFF2-40B4-BE49-F238E27FC236}">
+                <a16:creationId xmlns:a16="http://schemas.microsoft.com/office/drawing/2014/main" id="{27E2C049-EC86-384F-8576-F2746620D1D8}"/>
+              </a:ext>
+            </a:extLst>
+          </p:cNvPr>
+          <p:cNvPicPr>
+            <a:picLocks noChangeAspect="1"/>
+          </p:cNvPicPr>
+          <p:nvPr/>
+        </p:nvPicPr>
+        <p:blipFill>
+          <a:blip r:embed="rId3"/>
+          <a:stretch>
+            <a:fillRect/>
+          </a:stretch>
+        </p:blipFill>
+        <p:spPr>
+          <a:xfrm>
+            <a:off x="2235136" y="1195515"/>
+            <a:ext cx="2902481" cy="1553595"/>
+          </a:xfrm>
+          <a:prstGeom prst="rect">
+            <a:avLst/>
+          </a:prstGeom>
+        </p:spPr>
+      </p:pic>
+      <p:pic>
+        <p:nvPicPr>
+          <p:cNvPr id="6" name="Picture 5">
+            <a:extLst>
+              <a:ext uri="{FF2B5EF4-FFF2-40B4-BE49-F238E27FC236}">
+                <a16:creationId xmlns:a16="http://schemas.microsoft.com/office/drawing/2014/main" id="{0409A02E-9D03-CD44-8950-8D77E6A202B5}"/>
+              </a:ext>
+            </a:extLst>
+          </p:cNvPr>
+          <p:cNvPicPr>
+            <a:picLocks noChangeAspect="1"/>
+          </p:cNvPicPr>
+          <p:nvPr/>
+        </p:nvPicPr>
+        <p:blipFill rotWithShape="1">
+          <a:blip r:embed="rId4"/>
+          <a:srcRect l="11048"/>
+          <a:stretch/>
+        </p:blipFill>
+        <p:spPr>
+          <a:xfrm>
+            <a:off x="4897245" y="1195072"/>
+            <a:ext cx="2583275" cy="1554480"/>
+          </a:xfrm>
+          <a:prstGeom prst="rect">
+            <a:avLst/>
+          </a:prstGeom>
+        </p:spPr>
+      </p:pic>
+      <p:pic>
+        <p:nvPicPr>
+          <p:cNvPr id="9" name="Picture 8">
+            <a:extLst>
+              <a:ext uri="{FF2B5EF4-FFF2-40B4-BE49-F238E27FC236}">
+                <a16:creationId xmlns:a16="http://schemas.microsoft.com/office/drawing/2014/main" id="{2279157D-9DAE-2140-A7DA-9256BFB8E146}"/>
+              </a:ext>
+            </a:extLst>
+          </p:cNvPr>
+          <p:cNvPicPr>
+            <a:picLocks noChangeAspect="1"/>
+          </p:cNvPicPr>
+          <p:nvPr/>
+        </p:nvPicPr>
+        <p:blipFill rotWithShape="1">
+          <a:blip r:embed="rId5"/>
+          <a:srcRect l="11048" r="10183"/>
+          <a:stretch/>
+        </p:blipFill>
+        <p:spPr>
+          <a:xfrm>
+            <a:off x="7218218" y="1195072"/>
+            <a:ext cx="2287541" cy="1554480"/>
+          </a:xfrm>
+          <a:prstGeom prst="rect">
+            <a:avLst/>
+          </a:prstGeom>
+        </p:spPr>
+      </p:pic>
+      <p:pic>
+        <p:nvPicPr>
+          <p:cNvPr id="12" name="Picture 11">
+            <a:extLst>
+              <a:ext uri="{FF2B5EF4-FFF2-40B4-BE49-F238E27FC236}">
+                <a16:creationId xmlns:a16="http://schemas.microsoft.com/office/drawing/2014/main" id="{CDBC5209-4CE8-F341-B4F8-9B0ECDE2AA4C}"/>
+              </a:ext>
+            </a:extLst>
+          </p:cNvPr>
+          <p:cNvPicPr>
+            <a:picLocks noChangeAspect="1"/>
+          </p:cNvPicPr>
+          <p:nvPr/>
+        </p:nvPicPr>
+        <p:blipFill>
+          <a:blip r:embed="rId6"/>
+          <a:stretch>
+            <a:fillRect/>
+          </a:stretch>
+        </p:blipFill>
+        <p:spPr>
+          <a:xfrm>
+            <a:off x="2234309" y="3143082"/>
+            <a:ext cx="2904134" cy="1554480"/>
+          </a:xfrm>
+          <a:prstGeom prst="rect">
+            <a:avLst/>
+          </a:prstGeom>
+        </p:spPr>
+      </p:pic>
+      <p:pic>
+        <p:nvPicPr>
+          <p:cNvPr id="15" name="Picture 14">
+            <a:extLst>
+              <a:ext uri="{FF2B5EF4-FFF2-40B4-BE49-F238E27FC236}">
+                <a16:creationId xmlns:a16="http://schemas.microsoft.com/office/drawing/2014/main" id="{5F70EDFB-19F4-CB4C-B49B-8572344F891E}"/>
+              </a:ext>
+            </a:extLst>
+          </p:cNvPr>
+          <p:cNvPicPr>
+            <a:picLocks noChangeAspect="1"/>
+          </p:cNvPicPr>
+          <p:nvPr/>
+        </p:nvPicPr>
+        <p:blipFill rotWithShape="1">
+          <a:blip r:embed="rId7"/>
+          <a:srcRect l="10815"/>
+          <a:stretch/>
+        </p:blipFill>
+        <p:spPr>
+          <a:xfrm>
+            <a:off x="4890477" y="3143082"/>
+            <a:ext cx="2590044" cy="1554480"/>
+          </a:xfrm>
+          <a:prstGeom prst="rect">
+            <a:avLst/>
+          </a:prstGeom>
+        </p:spPr>
+      </p:pic>
+      <p:pic>
+        <p:nvPicPr>
+          <p:cNvPr id="17" name="Picture 16">
+            <a:extLst>
+              <a:ext uri="{FF2B5EF4-FFF2-40B4-BE49-F238E27FC236}">
+                <a16:creationId xmlns:a16="http://schemas.microsoft.com/office/drawing/2014/main" id="{2D265E33-9246-FF4D-B061-CAA2FA63DA68}"/>
+              </a:ext>
+            </a:extLst>
+          </p:cNvPr>
+          <p:cNvPicPr>
+            <a:picLocks noChangeAspect="1"/>
+          </p:cNvPicPr>
+          <p:nvPr/>
+        </p:nvPicPr>
+        <p:blipFill rotWithShape="1">
+          <a:blip r:embed="rId8"/>
+          <a:srcRect l="11048" r="10183"/>
+          <a:stretch/>
+        </p:blipFill>
+        <p:spPr>
+          <a:xfrm>
+            <a:off x="7218216" y="3143082"/>
+            <a:ext cx="2287543" cy="1554480"/>
+          </a:xfrm>
+          <a:prstGeom prst="rect">
+            <a:avLst/>
+          </a:prstGeom>
+        </p:spPr>
+      </p:pic>
+      <p:pic>
+        <p:nvPicPr>
+          <p:cNvPr id="19" name="Picture 18">
+            <a:extLst>
+              <a:ext uri="{FF2B5EF4-FFF2-40B4-BE49-F238E27FC236}">
+                <a16:creationId xmlns:a16="http://schemas.microsoft.com/office/drawing/2014/main" id="{84A2DC7F-EE95-E043-BF62-96436B692A26}"/>
+              </a:ext>
+            </a:extLst>
+          </p:cNvPr>
+          <p:cNvPicPr>
+            <a:picLocks noChangeAspect="1"/>
+          </p:cNvPicPr>
+          <p:nvPr/>
+        </p:nvPicPr>
+        <p:blipFill>
+          <a:blip r:embed="rId9"/>
+          <a:stretch>
+            <a:fillRect/>
+          </a:stretch>
+        </p:blipFill>
+        <p:spPr>
+          <a:xfrm>
+            <a:off x="2234309" y="5077887"/>
+            <a:ext cx="2904134" cy="1554480"/>
+          </a:xfrm>
+          <a:prstGeom prst="rect">
+            <a:avLst/>
+          </a:prstGeom>
+        </p:spPr>
+      </p:pic>
+      <p:pic>
+        <p:nvPicPr>
+          <p:cNvPr id="21" name="Picture 20">
+            <a:extLst>
+              <a:ext uri="{FF2B5EF4-FFF2-40B4-BE49-F238E27FC236}">
+                <a16:creationId xmlns:a16="http://schemas.microsoft.com/office/drawing/2014/main" id="{DB3AE0A0-8C98-AB4A-8A1A-3775CA4D79CF}"/>
+              </a:ext>
+            </a:extLst>
+          </p:cNvPr>
+          <p:cNvPicPr>
+            <a:picLocks noChangeAspect="1"/>
+          </p:cNvPicPr>
+          <p:nvPr/>
+        </p:nvPicPr>
+        <p:blipFill rotWithShape="1">
+          <a:blip r:embed="rId10"/>
+          <a:srcRect l="10815"/>
+          <a:stretch/>
+        </p:blipFill>
+        <p:spPr>
+          <a:xfrm>
+            <a:off x="4890477" y="5077887"/>
+            <a:ext cx="2590043" cy="1554480"/>
+          </a:xfrm>
+          <a:prstGeom prst="rect">
+            <a:avLst/>
+          </a:prstGeom>
+        </p:spPr>
+      </p:pic>
+      <p:pic>
+        <p:nvPicPr>
+          <p:cNvPr id="26" name="Picture 25">
+            <a:extLst>
+              <a:ext uri="{FF2B5EF4-FFF2-40B4-BE49-F238E27FC236}">
+                <a16:creationId xmlns:a16="http://schemas.microsoft.com/office/drawing/2014/main" id="{78BFE6B5-E3F4-A74D-B180-557C4D247DDB}"/>
+              </a:ext>
+            </a:extLst>
+          </p:cNvPr>
+          <p:cNvPicPr>
+            <a:picLocks noChangeAspect="1"/>
+          </p:cNvPicPr>
+          <p:nvPr/>
+        </p:nvPicPr>
+        <p:blipFill rotWithShape="1">
+          <a:blip r:embed="rId11"/>
+          <a:srcRect l="11048" r="10183"/>
+          <a:stretch/>
+        </p:blipFill>
+        <p:spPr>
+          <a:xfrm>
+            <a:off x="7218216" y="5077887"/>
+            <a:ext cx="2287543" cy="1554480"/>
+          </a:xfrm>
+          <a:prstGeom prst="rect">
+            <a:avLst/>
+          </a:prstGeom>
+        </p:spPr>
+      </p:pic>
+      <p:sp>
+        <p:nvSpPr>
+          <p:cNvPr id="29" name="TextBox 28">
+            <a:extLst>
+              <a:ext uri="{FF2B5EF4-FFF2-40B4-BE49-F238E27FC236}">
+                <a16:creationId xmlns:a16="http://schemas.microsoft.com/office/drawing/2014/main" id="{3397D50E-407C-8240-ACA5-C4C56CA85E90}"/>
+              </a:ext>
+            </a:extLst>
+          </p:cNvPr>
+          <p:cNvSpPr txBox="1"/>
+          <p:nvPr/>
+        </p:nvSpPr>
+        <p:spPr>
+          <a:xfrm>
+            <a:off x="9235686" y="5048515"/>
+            <a:ext cx="1231515" cy="646331"/>
+          </a:xfrm>
+          <a:prstGeom prst="rect">
+            <a:avLst/>
+          </a:prstGeom>
+          <a:noFill/>
+        </p:spPr>
+        <p:txBody>
+          <a:bodyPr wrap="square" rtlCol="0">
+            <a:spAutoFit/>
+          </a:bodyPr>
+          <a:lstStyle/>
+          <a:p>
+            <a:r>
+              <a:rPr lang="en-US" dirty="0"/>
+              <a:t>Feature </a:t>
+            </a:r>
+          </a:p>
+          <a:p>
+            <a:r>
+              <a:rPr lang="en-US" dirty="0"/>
+              <a:t>Weights</a:t>
             </a:r>
           </a:p>
         </p:txBody>
@@ -3427,6 +3741,2059 @@
     <p:extLst>
       <p:ext uri="{BB962C8B-B14F-4D97-AF65-F5344CB8AC3E}">
         <p14:creationId xmlns:p14="http://schemas.microsoft.com/office/powerpoint/2010/main" val="2638862286"/>
+      </p:ext>
+    </p:extLst>
+  </p:cSld>
+  <p:clrMapOvr>
+    <a:masterClrMapping/>
+  </p:clrMapOvr>
+</p:sld>
+</file>
+
+<file path=ppt/slides/slide10.xml><?xml version="1.0" encoding="utf-8"?>
+<p:sld xmlns:a="http://schemas.openxmlformats.org/drawingml/2006/main" xmlns:r="http://schemas.openxmlformats.org/officeDocument/2006/relationships" xmlns:p="http://schemas.openxmlformats.org/presentationml/2006/main">
+  <p:cSld>
+    <p:spTree>
+      <p:nvGrpSpPr>
+        <p:cNvPr id="1" name=""/>
+        <p:cNvGrpSpPr/>
+        <p:nvPr/>
+      </p:nvGrpSpPr>
+      <p:grpSpPr>
+        <a:xfrm>
+          <a:off x="0" y="0"/>
+          <a:ext cx="0" cy="0"/>
+          <a:chOff x="0" y="0"/>
+          <a:chExt cx="0" cy="0"/>
+        </a:xfrm>
+      </p:grpSpPr>
+      <p:sp>
+        <p:nvSpPr>
+          <p:cNvPr id="2" name="Title 1">
+            <a:extLst>
+              <a:ext uri="{FF2B5EF4-FFF2-40B4-BE49-F238E27FC236}">
+                <a16:creationId xmlns:a16="http://schemas.microsoft.com/office/drawing/2014/main" id="{0192CC48-066B-8B4D-9F3C-FEFD45ED7F62}"/>
+              </a:ext>
+            </a:extLst>
+          </p:cNvPr>
+          <p:cNvSpPr>
+            <a:spLocks noGrp="1"/>
+          </p:cNvSpPr>
+          <p:nvPr>
+            <p:ph type="title"/>
+          </p:nvPr>
+        </p:nvSpPr>
+        <p:spPr/>
+        <p:txBody>
+          <a:bodyPr/>
+          <a:lstStyle/>
+          <a:p>
+            <a:r>
+              <a:rPr lang="en-US" dirty="0"/>
+              <a:t>MSC10</a:t>
+            </a:r>
+          </a:p>
+        </p:txBody>
+      </p:sp>
+      <p:pic>
+        <p:nvPicPr>
+          <p:cNvPr id="4" name="Picture 3">
+            <a:extLst>
+              <a:ext uri="{FF2B5EF4-FFF2-40B4-BE49-F238E27FC236}">
+                <a16:creationId xmlns:a16="http://schemas.microsoft.com/office/drawing/2014/main" id="{3A180647-2F43-7E47-8B72-82B288D99FE3}"/>
+              </a:ext>
+            </a:extLst>
+          </p:cNvPr>
+          <p:cNvPicPr>
+            <a:picLocks/>
+          </p:cNvPicPr>
+          <p:nvPr/>
+        </p:nvPicPr>
+        <p:blipFill rotWithShape="1">
+          <a:blip r:embed="rId2"/>
+          <a:srcRect t="37060" r="2565" b="13793"/>
+          <a:stretch/>
+        </p:blipFill>
+        <p:spPr>
+          <a:xfrm rot="16200000">
+            <a:off x="11186869" y="3725510"/>
+            <a:ext cx="1747977" cy="223836"/>
+          </a:xfrm>
+          <a:prstGeom prst="rect">
+            <a:avLst/>
+          </a:prstGeom>
+        </p:spPr>
+      </p:pic>
+      <p:sp>
+        <p:nvSpPr>
+          <p:cNvPr id="5" name="TextBox 4">
+            <a:extLst>
+              <a:ext uri="{FF2B5EF4-FFF2-40B4-BE49-F238E27FC236}">
+                <a16:creationId xmlns:a16="http://schemas.microsoft.com/office/drawing/2014/main" id="{C2B78C3F-CF8D-F24D-AF61-405C324564FD}"/>
+              </a:ext>
+            </a:extLst>
+          </p:cNvPr>
+          <p:cNvSpPr txBox="1"/>
+          <p:nvPr/>
+        </p:nvSpPr>
+        <p:spPr>
+          <a:xfrm>
+            <a:off x="11777902" y="4759743"/>
+            <a:ext cx="615635" cy="369332"/>
+          </a:xfrm>
+          <a:prstGeom prst="rect">
+            <a:avLst/>
+          </a:prstGeom>
+          <a:noFill/>
+        </p:spPr>
+        <p:txBody>
+          <a:bodyPr wrap="square" rtlCol="0">
+            <a:spAutoFit/>
+          </a:bodyPr>
+          <a:lstStyle/>
+          <a:p>
+            <a:r>
+              <a:rPr lang="en-US" dirty="0"/>
+              <a:t>.02</a:t>
+            </a:r>
+          </a:p>
+        </p:txBody>
+      </p:sp>
+      <p:sp>
+        <p:nvSpPr>
+          <p:cNvPr id="6" name="TextBox 5">
+            <a:extLst>
+              <a:ext uri="{FF2B5EF4-FFF2-40B4-BE49-F238E27FC236}">
+                <a16:creationId xmlns:a16="http://schemas.microsoft.com/office/drawing/2014/main" id="{535CAB6F-B5FE-B54D-9A88-AC46FD97EAD9}"/>
+              </a:ext>
+            </a:extLst>
+          </p:cNvPr>
+          <p:cNvSpPr txBox="1"/>
+          <p:nvPr/>
+        </p:nvSpPr>
+        <p:spPr>
+          <a:xfrm>
+            <a:off x="11853696" y="2578299"/>
+            <a:ext cx="638160" cy="369332"/>
+          </a:xfrm>
+          <a:prstGeom prst="rect">
+            <a:avLst/>
+          </a:prstGeom>
+          <a:noFill/>
+        </p:spPr>
+        <p:txBody>
+          <a:bodyPr wrap="square" rtlCol="0">
+            <a:spAutoFit/>
+          </a:bodyPr>
+          <a:lstStyle/>
+          <a:p>
+            <a:r>
+              <a:rPr lang="en-US" dirty="0"/>
+              <a:t>.1</a:t>
+            </a:r>
+          </a:p>
+        </p:txBody>
+      </p:sp>
+      <p:sp>
+        <p:nvSpPr>
+          <p:cNvPr id="7" name="TextBox 6">
+            <a:extLst>
+              <a:ext uri="{FF2B5EF4-FFF2-40B4-BE49-F238E27FC236}">
+                <a16:creationId xmlns:a16="http://schemas.microsoft.com/office/drawing/2014/main" id="{A7EF003A-19E2-F24A-82B8-9081524B655D}"/>
+              </a:ext>
+            </a:extLst>
+          </p:cNvPr>
+          <p:cNvSpPr txBox="1"/>
+          <p:nvPr/>
+        </p:nvSpPr>
+        <p:spPr>
+          <a:xfrm>
+            <a:off x="11590959" y="5034660"/>
+            <a:ext cx="1231515" cy="646331"/>
+          </a:xfrm>
+          <a:prstGeom prst="rect">
+            <a:avLst/>
+          </a:prstGeom>
+          <a:noFill/>
+        </p:spPr>
+        <p:txBody>
+          <a:bodyPr wrap="square" rtlCol="0">
+            <a:spAutoFit/>
+          </a:bodyPr>
+          <a:lstStyle/>
+          <a:p>
+            <a:r>
+              <a:rPr lang="en-US" dirty="0"/>
+              <a:t>Feature </a:t>
+            </a:r>
+          </a:p>
+          <a:p>
+            <a:r>
+              <a:rPr lang="en-US" dirty="0"/>
+              <a:t>Weights</a:t>
+            </a:r>
+          </a:p>
+        </p:txBody>
+      </p:sp>
+      <p:pic>
+        <p:nvPicPr>
+          <p:cNvPr id="8" name="Picture 7">
+            <a:extLst>
+              <a:ext uri="{FF2B5EF4-FFF2-40B4-BE49-F238E27FC236}">
+                <a16:creationId xmlns:a16="http://schemas.microsoft.com/office/drawing/2014/main" id="{1E00A9CA-A31F-7D4A-B22A-171C1A67CD63}"/>
+              </a:ext>
+            </a:extLst>
+          </p:cNvPr>
+          <p:cNvPicPr>
+            <a:picLocks noChangeAspect="1"/>
+          </p:cNvPicPr>
+          <p:nvPr/>
+        </p:nvPicPr>
+        <p:blipFill>
+          <a:blip r:embed="rId3"/>
+          <a:stretch>
+            <a:fillRect/>
+          </a:stretch>
+        </p:blipFill>
+        <p:spPr>
+          <a:xfrm>
+            <a:off x="573664" y="1460500"/>
+            <a:ext cx="10083800" cy="5397500"/>
+          </a:xfrm>
+          <a:prstGeom prst="rect">
+            <a:avLst/>
+          </a:prstGeom>
+        </p:spPr>
+      </p:pic>
+    </p:spTree>
+    <p:extLst>
+      <p:ext uri="{BB962C8B-B14F-4D97-AF65-F5344CB8AC3E}">
+        <p14:creationId xmlns:p14="http://schemas.microsoft.com/office/powerpoint/2010/main" val="1385651791"/>
+      </p:ext>
+    </p:extLst>
+  </p:cSld>
+  <p:clrMapOvr>
+    <a:masterClrMapping/>
+  </p:clrMapOvr>
+</p:sld>
+</file>
+
+<file path=ppt/slides/slide2.xml><?xml version="1.0" encoding="utf-8"?>
+<p:sld xmlns:a="http://schemas.openxmlformats.org/drawingml/2006/main" xmlns:r="http://schemas.openxmlformats.org/officeDocument/2006/relationships" xmlns:p="http://schemas.openxmlformats.org/presentationml/2006/main">
+  <p:cSld>
+    <p:spTree>
+      <p:nvGrpSpPr>
+        <p:cNvPr id="1" name=""/>
+        <p:cNvGrpSpPr/>
+        <p:nvPr/>
+      </p:nvGrpSpPr>
+      <p:grpSpPr>
+        <a:xfrm>
+          <a:off x="0" y="0"/>
+          <a:ext cx="0" cy="0"/>
+          <a:chOff x="0" y="0"/>
+          <a:chExt cx="0" cy="0"/>
+        </a:xfrm>
+      </p:grpSpPr>
+      <p:sp>
+        <p:nvSpPr>
+          <p:cNvPr id="5" name="Title 4">
+            <a:extLst>
+              <a:ext uri="{FF2B5EF4-FFF2-40B4-BE49-F238E27FC236}">
+                <a16:creationId xmlns:a16="http://schemas.microsoft.com/office/drawing/2014/main" id="{5B1F0EEE-364D-BF47-803D-3E8C663911B4}"/>
+              </a:ext>
+            </a:extLst>
+          </p:cNvPr>
+          <p:cNvSpPr>
+            <a:spLocks noGrp="1"/>
+          </p:cNvSpPr>
+          <p:nvPr>
+            <p:ph type="title"/>
+          </p:nvPr>
+        </p:nvSpPr>
+        <p:spPr/>
+        <p:txBody>
+          <a:bodyPr/>
+          <a:lstStyle/>
+          <a:p>
+            <a:r>
+              <a:rPr lang="en-US" dirty="0" err="1"/>
+              <a:t>Groupwise</a:t>
+            </a:r>
+            <a:endParaRPr lang="en-US" dirty="0"/>
+          </a:p>
+        </p:txBody>
+      </p:sp>
+      <p:pic>
+        <p:nvPicPr>
+          <p:cNvPr id="6" name="Picture 5">
+            <a:extLst>
+              <a:ext uri="{FF2B5EF4-FFF2-40B4-BE49-F238E27FC236}">
+                <a16:creationId xmlns:a16="http://schemas.microsoft.com/office/drawing/2014/main" id="{1C1FB642-DF58-0542-9986-15E91E769927}"/>
+              </a:ext>
+            </a:extLst>
+          </p:cNvPr>
+          <p:cNvPicPr>
+            <a:picLocks/>
+          </p:cNvPicPr>
+          <p:nvPr/>
+        </p:nvPicPr>
+        <p:blipFill rotWithShape="1">
+          <a:blip r:embed="rId2"/>
+          <a:srcRect t="37060" r="2565" b="13793"/>
+          <a:stretch/>
+        </p:blipFill>
+        <p:spPr>
+          <a:xfrm rot="16200000">
+            <a:off x="11186869" y="3725510"/>
+            <a:ext cx="1747977" cy="223836"/>
+          </a:xfrm>
+          <a:prstGeom prst="rect">
+            <a:avLst/>
+          </a:prstGeom>
+        </p:spPr>
+      </p:pic>
+      <p:sp>
+        <p:nvSpPr>
+          <p:cNvPr id="7" name="TextBox 6">
+            <a:extLst>
+              <a:ext uri="{FF2B5EF4-FFF2-40B4-BE49-F238E27FC236}">
+                <a16:creationId xmlns:a16="http://schemas.microsoft.com/office/drawing/2014/main" id="{A44AC5B2-841F-2445-B8E3-E545AD66273B}"/>
+              </a:ext>
+            </a:extLst>
+          </p:cNvPr>
+          <p:cNvSpPr txBox="1"/>
+          <p:nvPr/>
+        </p:nvSpPr>
+        <p:spPr>
+          <a:xfrm>
+            <a:off x="11777902" y="4759743"/>
+            <a:ext cx="615635" cy="369332"/>
+          </a:xfrm>
+          <a:prstGeom prst="rect">
+            <a:avLst/>
+          </a:prstGeom>
+          <a:noFill/>
+        </p:spPr>
+        <p:txBody>
+          <a:bodyPr wrap="square" rtlCol="0">
+            <a:spAutoFit/>
+          </a:bodyPr>
+          <a:lstStyle/>
+          <a:p>
+            <a:r>
+              <a:rPr lang="en-US" dirty="0"/>
+              <a:t>.02</a:t>
+            </a:r>
+          </a:p>
+        </p:txBody>
+      </p:sp>
+      <p:sp>
+        <p:nvSpPr>
+          <p:cNvPr id="8" name="TextBox 7">
+            <a:extLst>
+              <a:ext uri="{FF2B5EF4-FFF2-40B4-BE49-F238E27FC236}">
+                <a16:creationId xmlns:a16="http://schemas.microsoft.com/office/drawing/2014/main" id="{F4B2DC64-C179-854C-9E0E-7C0ECC53A53C}"/>
+              </a:ext>
+            </a:extLst>
+          </p:cNvPr>
+          <p:cNvSpPr txBox="1"/>
+          <p:nvPr/>
+        </p:nvSpPr>
+        <p:spPr>
+          <a:xfrm>
+            <a:off x="11853696" y="2578299"/>
+            <a:ext cx="638160" cy="369332"/>
+          </a:xfrm>
+          <a:prstGeom prst="rect">
+            <a:avLst/>
+          </a:prstGeom>
+          <a:noFill/>
+        </p:spPr>
+        <p:txBody>
+          <a:bodyPr wrap="square" rtlCol="0">
+            <a:spAutoFit/>
+          </a:bodyPr>
+          <a:lstStyle/>
+          <a:p>
+            <a:r>
+              <a:rPr lang="en-US" dirty="0"/>
+              <a:t>.1</a:t>
+            </a:r>
+          </a:p>
+        </p:txBody>
+      </p:sp>
+      <p:sp>
+        <p:nvSpPr>
+          <p:cNvPr id="9" name="TextBox 8">
+            <a:extLst>
+              <a:ext uri="{FF2B5EF4-FFF2-40B4-BE49-F238E27FC236}">
+                <a16:creationId xmlns:a16="http://schemas.microsoft.com/office/drawing/2014/main" id="{2D9564B5-843D-3F44-80D6-3FA1FD841A5D}"/>
+              </a:ext>
+            </a:extLst>
+          </p:cNvPr>
+          <p:cNvSpPr txBox="1"/>
+          <p:nvPr/>
+        </p:nvSpPr>
+        <p:spPr>
+          <a:xfrm>
+            <a:off x="11590959" y="5034660"/>
+            <a:ext cx="1231515" cy="646331"/>
+          </a:xfrm>
+          <a:prstGeom prst="rect">
+            <a:avLst/>
+          </a:prstGeom>
+          <a:noFill/>
+        </p:spPr>
+        <p:txBody>
+          <a:bodyPr wrap="square" rtlCol="0">
+            <a:spAutoFit/>
+          </a:bodyPr>
+          <a:lstStyle/>
+          <a:p>
+            <a:r>
+              <a:rPr lang="en-US" dirty="0"/>
+              <a:t>Feature </a:t>
+            </a:r>
+          </a:p>
+          <a:p>
+            <a:r>
+              <a:rPr lang="en-US" dirty="0"/>
+              <a:t>Weights</a:t>
+            </a:r>
+          </a:p>
+        </p:txBody>
+      </p:sp>
+      <p:pic>
+        <p:nvPicPr>
+          <p:cNvPr id="11" name="Picture 10">
+            <a:extLst>
+              <a:ext uri="{FF2B5EF4-FFF2-40B4-BE49-F238E27FC236}">
+                <a16:creationId xmlns:a16="http://schemas.microsoft.com/office/drawing/2014/main" id="{14EE6D1C-FD30-D44C-92EF-BBDE24BDBCDE}"/>
+              </a:ext>
+            </a:extLst>
+          </p:cNvPr>
+          <p:cNvPicPr>
+            <a:picLocks noChangeAspect="1"/>
+          </p:cNvPicPr>
+          <p:nvPr/>
+        </p:nvPicPr>
+        <p:blipFill>
+          <a:blip r:embed="rId3"/>
+          <a:stretch>
+            <a:fillRect/>
+          </a:stretch>
+        </p:blipFill>
+        <p:spPr>
+          <a:xfrm>
+            <a:off x="795337" y="1353705"/>
+            <a:ext cx="10083800" cy="5397500"/>
+          </a:xfrm>
+          <a:prstGeom prst="rect">
+            <a:avLst/>
+          </a:prstGeom>
+        </p:spPr>
+      </p:pic>
+    </p:spTree>
+    <p:extLst>
+      <p:ext uri="{BB962C8B-B14F-4D97-AF65-F5344CB8AC3E}">
+        <p14:creationId xmlns:p14="http://schemas.microsoft.com/office/powerpoint/2010/main" val="2869995843"/>
+      </p:ext>
+    </p:extLst>
+  </p:cSld>
+  <p:clrMapOvr>
+    <a:masterClrMapping/>
+  </p:clrMapOvr>
+</p:sld>
+</file>
+
+<file path=ppt/slides/slide3.xml><?xml version="1.0" encoding="utf-8"?>
+<p:sld xmlns:a="http://schemas.openxmlformats.org/drawingml/2006/main" xmlns:r="http://schemas.openxmlformats.org/officeDocument/2006/relationships" xmlns:p="http://schemas.openxmlformats.org/presentationml/2006/main">
+  <p:cSld>
+    <p:spTree>
+      <p:nvGrpSpPr>
+        <p:cNvPr id="1" name=""/>
+        <p:cNvGrpSpPr/>
+        <p:nvPr/>
+      </p:nvGrpSpPr>
+      <p:grpSpPr>
+        <a:xfrm>
+          <a:off x="0" y="0"/>
+          <a:ext cx="0" cy="0"/>
+          <a:chOff x="0" y="0"/>
+          <a:chExt cx="0" cy="0"/>
+        </a:xfrm>
+      </p:grpSpPr>
+      <p:sp>
+        <p:nvSpPr>
+          <p:cNvPr id="2" name="Title 1">
+            <a:extLst>
+              <a:ext uri="{FF2B5EF4-FFF2-40B4-BE49-F238E27FC236}">
+                <a16:creationId xmlns:a16="http://schemas.microsoft.com/office/drawing/2014/main" id="{0192CC48-066B-8B4D-9F3C-FEFD45ED7F62}"/>
+              </a:ext>
+            </a:extLst>
+          </p:cNvPr>
+          <p:cNvSpPr>
+            <a:spLocks noGrp="1"/>
+          </p:cNvSpPr>
+          <p:nvPr>
+            <p:ph type="title"/>
+          </p:nvPr>
+        </p:nvSpPr>
+        <p:spPr/>
+        <p:txBody>
+          <a:bodyPr/>
+          <a:lstStyle/>
+          <a:p>
+            <a:r>
+              <a:rPr lang="en-US" dirty="0"/>
+              <a:t>MSC01</a:t>
+            </a:r>
+          </a:p>
+        </p:txBody>
+      </p:sp>
+      <p:pic>
+        <p:nvPicPr>
+          <p:cNvPr id="4" name="Picture 3">
+            <a:extLst>
+              <a:ext uri="{FF2B5EF4-FFF2-40B4-BE49-F238E27FC236}">
+                <a16:creationId xmlns:a16="http://schemas.microsoft.com/office/drawing/2014/main" id="{3A180647-2F43-7E47-8B72-82B288D99FE3}"/>
+              </a:ext>
+            </a:extLst>
+          </p:cNvPr>
+          <p:cNvPicPr>
+            <a:picLocks/>
+          </p:cNvPicPr>
+          <p:nvPr/>
+        </p:nvPicPr>
+        <p:blipFill rotWithShape="1">
+          <a:blip r:embed="rId2"/>
+          <a:srcRect t="37060" r="2565" b="13793"/>
+          <a:stretch/>
+        </p:blipFill>
+        <p:spPr>
+          <a:xfrm rot="16200000">
+            <a:off x="11186869" y="3725510"/>
+            <a:ext cx="1747977" cy="223836"/>
+          </a:xfrm>
+          <a:prstGeom prst="rect">
+            <a:avLst/>
+          </a:prstGeom>
+        </p:spPr>
+      </p:pic>
+      <p:sp>
+        <p:nvSpPr>
+          <p:cNvPr id="5" name="TextBox 4">
+            <a:extLst>
+              <a:ext uri="{FF2B5EF4-FFF2-40B4-BE49-F238E27FC236}">
+                <a16:creationId xmlns:a16="http://schemas.microsoft.com/office/drawing/2014/main" id="{C2B78C3F-CF8D-F24D-AF61-405C324564FD}"/>
+              </a:ext>
+            </a:extLst>
+          </p:cNvPr>
+          <p:cNvSpPr txBox="1"/>
+          <p:nvPr/>
+        </p:nvSpPr>
+        <p:spPr>
+          <a:xfrm>
+            <a:off x="11777902" y="4759743"/>
+            <a:ext cx="615635" cy="369332"/>
+          </a:xfrm>
+          <a:prstGeom prst="rect">
+            <a:avLst/>
+          </a:prstGeom>
+          <a:noFill/>
+        </p:spPr>
+        <p:txBody>
+          <a:bodyPr wrap="square" rtlCol="0">
+            <a:spAutoFit/>
+          </a:bodyPr>
+          <a:lstStyle/>
+          <a:p>
+            <a:r>
+              <a:rPr lang="en-US" dirty="0"/>
+              <a:t>.02</a:t>
+            </a:r>
+          </a:p>
+        </p:txBody>
+      </p:sp>
+      <p:sp>
+        <p:nvSpPr>
+          <p:cNvPr id="6" name="TextBox 5">
+            <a:extLst>
+              <a:ext uri="{FF2B5EF4-FFF2-40B4-BE49-F238E27FC236}">
+                <a16:creationId xmlns:a16="http://schemas.microsoft.com/office/drawing/2014/main" id="{535CAB6F-B5FE-B54D-9A88-AC46FD97EAD9}"/>
+              </a:ext>
+            </a:extLst>
+          </p:cNvPr>
+          <p:cNvSpPr txBox="1"/>
+          <p:nvPr/>
+        </p:nvSpPr>
+        <p:spPr>
+          <a:xfrm>
+            <a:off x="11853696" y="2578299"/>
+            <a:ext cx="638160" cy="369332"/>
+          </a:xfrm>
+          <a:prstGeom prst="rect">
+            <a:avLst/>
+          </a:prstGeom>
+          <a:noFill/>
+        </p:spPr>
+        <p:txBody>
+          <a:bodyPr wrap="square" rtlCol="0">
+            <a:spAutoFit/>
+          </a:bodyPr>
+          <a:lstStyle/>
+          <a:p>
+            <a:r>
+              <a:rPr lang="en-US" dirty="0"/>
+              <a:t>.1</a:t>
+            </a:r>
+          </a:p>
+        </p:txBody>
+      </p:sp>
+      <p:sp>
+        <p:nvSpPr>
+          <p:cNvPr id="7" name="TextBox 6">
+            <a:extLst>
+              <a:ext uri="{FF2B5EF4-FFF2-40B4-BE49-F238E27FC236}">
+                <a16:creationId xmlns:a16="http://schemas.microsoft.com/office/drawing/2014/main" id="{A7EF003A-19E2-F24A-82B8-9081524B655D}"/>
+              </a:ext>
+            </a:extLst>
+          </p:cNvPr>
+          <p:cNvSpPr txBox="1"/>
+          <p:nvPr/>
+        </p:nvSpPr>
+        <p:spPr>
+          <a:xfrm>
+            <a:off x="11590959" y="5034660"/>
+            <a:ext cx="1231515" cy="646331"/>
+          </a:xfrm>
+          <a:prstGeom prst="rect">
+            <a:avLst/>
+          </a:prstGeom>
+          <a:noFill/>
+        </p:spPr>
+        <p:txBody>
+          <a:bodyPr wrap="square" rtlCol="0">
+            <a:spAutoFit/>
+          </a:bodyPr>
+          <a:lstStyle/>
+          <a:p>
+            <a:r>
+              <a:rPr lang="en-US" dirty="0"/>
+              <a:t>Feature </a:t>
+            </a:r>
+          </a:p>
+          <a:p>
+            <a:r>
+              <a:rPr lang="en-US" dirty="0"/>
+              <a:t>Weights</a:t>
+            </a:r>
+          </a:p>
+        </p:txBody>
+      </p:sp>
+      <p:pic>
+        <p:nvPicPr>
+          <p:cNvPr id="9" name="Picture 8">
+            <a:extLst>
+              <a:ext uri="{FF2B5EF4-FFF2-40B4-BE49-F238E27FC236}">
+                <a16:creationId xmlns:a16="http://schemas.microsoft.com/office/drawing/2014/main" id="{86157F91-B4ED-2943-AB60-383C05008FEE}"/>
+              </a:ext>
+            </a:extLst>
+          </p:cNvPr>
+          <p:cNvPicPr>
+            <a:picLocks noChangeAspect="1"/>
+          </p:cNvPicPr>
+          <p:nvPr/>
+        </p:nvPicPr>
+        <p:blipFill>
+          <a:blip r:embed="rId3"/>
+          <a:stretch>
+            <a:fillRect/>
+          </a:stretch>
+        </p:blipFill>
+        <p:spPr>
+          <a:xfrm>
+            <a:off x="970260" y="1460500"/>
+            <a:ext cx="10083800" cy="5397500"/>
+          </a:xfrm>
+          <a:prstGeom prst="rect">
+            <a:avLst/>
+          </a:prstGeom>
+        </p:spPr>
+      </p:pic>
+    </p:spTree>
+    <p:extLst>
+      <p:ext uri="{BB962C8B-B14F-4D97-AF65-F5344CB8AC3E}">
+        <p14:creationId xmlns:p14="http://schemas.microsoft.com/office/powerpoint/2010/main" val="453547677"/>
+      </p:ext>
+    </p:extLst>
+  </p:cSld>
+  <p:clrMapOvr>
+    <a:masterClrMapping/>
+  </p:clrMapOvr>
+</p:sld>
+</file>
+
+<file path=ppt/slides/slide4.xml><?xml version="1.0" encoding="utf-8"?>
+<p:sld xmlns:a="http://schemas.openxmlformats.org/drawingml/2006/main" xmlns:r="http://schemas.openxmlformats.org/officeDocument/2006/relationships" xmlns:p="http://schemas.openxmlformats.org/presentationml/2006/main">
+  <p:cSld>
+    <p:spTree>
+      <p:nvGrpSpPr>
+        <p:cNvPr id="1" name=""/>
+        <p:cNvGrpSpPr/>
+        <p:nvPr/>
+      </p:nvGrpSpPr>
+      <p:grpSpPr>
+        <a:xfrm>
+          <a:off x="0" y="0"/>
+          <a:ext cx="0" cy="0"/>
+          <a:chOff x="0" y="0"/>
+          <a:chExt cx="0" cy="0"/>
+        </a:xfrm>
+      </p:grpSpPr>
+      <p:sp>
+        <p:nvSpPr>
+          <p:cNvPr id="2" name="Title 1">
+            <a:extLst>
+              <a:ext uri="{FF2B5EF4-FFF2-40B4-BE49-F238E27FC236}">
+                <a16:creationId xmlns:a16="http://schemas.microsoft.com/office/drawing/2014/main" id="{0192CC48-066B-8B4D-9F3C-FEFD45ED7F62}"/>
+              </a:ext>
+            </a:extLst>
+          </p:cNvPr>
+          <p:cNvSpPr>
+            <a:spLocks noGrp="1"/>
+          </p:cNvSpPr>
+          <p:nvPr>
+            <p:ph type="title"/>
+          </p:nvPr>
+        </p:nvSpPr>
+        <p:spPr/>
+        <p:txBody>
+          <a:bodyPr/>
+          <a:lstStyle/>
+          <a:p>
+            <a:r>
+              <a:rPr lang="en-US" dirty="0"/>
+              <a:t>MSC02</a:t>
+            </a:r>
+          </a:p>
+        </p:txBody>
+      </p:sp>
+      <p:pic>
+        <p:nvPicPr>
+          <p:cNvPr id="4" name="Picture 3">
+            <a:extLst>
+              <a:ext uri="{FF2B5EF4-FFF2-40B4-BE49-F238E27FC236}">
+                <a16:creationId xmlns:a16="http://schemas.microsoft.com/office/drawing/2014/main" id="{3A180647-2F43-7E47-8B72-82B288D99FE3}"/>
+              </a:ext>
+            </a:extLst>
+          </p:cNvPr>
+          <p:cNvPicPr>
+            <a:picLocks/>
+          </p:cNvPicPr>
+          <p:nvPr/>
+        </p:nvPicPr>
+        <p:blipFill rotWithShape="1">
+          <a:blip r:embed="rId2"/>
+          <a:srcRect t="37060" r="2565" b="13793"/>
+          <a:stretch/>
+        </p:blipFill>
+        <p:spPr>
+          <a:xfrm rot="16200000">
+            <a:off x="11186869" y="3725510"/>
+            <a:ext cx="1747977" cy="223836"/>
+          </a:xfrm>
+          <a:prstGeom prst="rect">
+            <a:avLst/>
+          </a:prstGeom>
+        </p:spPr>
+      </p:pic>
+      <p:sp>
+        <p:nvSpPr>
+          <p:cNvPr id="5" name="TextBox 4">
+            <a:extLst>
+              <a:ext uri="{FF2B5EF4-FFF2-40B4-BE49-F238E27FC236}">
+                <a16:creationId xmlns:a16="http://schemas.microsoft.com/office/drawing/2014/main" id="{C2B78C3F-CF8D-F24D-AF61-405C324564FD}"/>
+              </a:ext>
+            </a:extLst>
+          </p:cNvPr>
+          <p:cNvSpPr txBox="1"/>
+          <p:nvPr/>
+        </p:nvSpPr>
+        <p:spPr>
+          <a:xfrm>
+            <a:off x="11777902" y="4759743"/>
+            <a:ext cx="615635" cy="369332"/>
+          </a:xfrm>
+          <a:prstGeom prst="rect">
+            <a:avLst/>
+          </a:prstGeom>
+          <a:noFill/>
+        </p:spPr>
+        <p:txBody>
+          <a:bodyPr wrap="square" rtlCol="0">
+            <a:spAutoFit/>
+          </a:bodyPr>
+          <a:lstStyle/>
+          <a:p>
+            <a:r>
+              <a:rPr lang="en-US" dirty="0"/>
+              <a:t>.02</a:t>
+            </a:r>
+          </a:p>
+        </p:txBody>
+      </p:sp>
+      <p:sp>
+        <p:nvSpPr>
+          <p:cNvPr id="6" name="TextBox 5">
+            <a:extLst>
+              <a:ext uri="{FF2B5EF4-FFF2-40B4-BE49-F238E27FC236}">
+                <a16:creationId xmlns:a16="http://schemas.microsoft.com/office/drawing/2014/main" id="{535CAB6F-B5FE-B54D-9A88-AC46FD97EAD9}"/>
+              </a:ext>
+            </a:extLst>
+          </p:cNvPr>
+          <p:cNvSpPr txBox="1"/>
+          <p:nvPr/>
+        </p:nvSpPr>
+        <p:spPr>
+          <a:xfrm>
+            <a:off x="11853696" y="2578299"/>
+            <a:ext cx="638160" cy="369332"/>
+          </a:xfrm>
+          <a:prstGeom prst="rect">
+            <a:avLst/>
+          </a:prstGeom>
+          <a:noFill/>
+        </p:spPr>
+        <p:txBody>
+          <a:bodyPr wrap="square" rtlCol="0">
+            <a:spAutoFit/>
+          </a:bodyPr>
+          <a:lstStyle/>
+          <a:p>
+            <a:r>
+              <a:rPr lang="en-US" dirty="0"/>
+              <a:t>.1</a:t>
+            </a:r>
+          </a:p>
+        </p:txBody>
+      </p:sp>
+      <p:sp>
+        <p:nvSpPr>
+          <p:cNvPr id="7" name="TextBox 6">
+            <a:extLst>
+              <a:ext uri="{FF2B5EF4-FFF2-40B4-BE49-F238E27FC236}">
+                <a16:creationId xmlns:a16="http://schemas.microsoft.com/office/drawing/2014/main" id="{A7EF003A-19E2-F24A-82B8-9081524B655D}"/>
+              </a:ext>
+            </a:extLst>
+          </p:cNvPr>
+          <p:cNvSpPr txBox="1"/>
+          <p:nvPr/>
+        </p:nvSpPr>
+        <p:spPr>
+          <a:xfrm>
+            <a:off x="11590959" y="5034660"/>
+            <a:ext cx="1231515" cy="646331"/>
+          </a:xfrm>
+          <a:prstGeom prst="rect">
+            <a:avLst/>
+          </a:prstGeom>
+          <a:noFill/>
+        </p:spPr>
+        <p:txBody>
+          <a:bodyPr wrap="square" rtlCol="0">
+            <a:spAutoFit/>
+          </a:bodyPr>
+          <a:lstStyle/>
+          <a:p>
+            <a:r>
+              <a:rPr lang="en-US" dirty="0"/>
+              <a:t>Feature </a:t>
+            </a:r>
+          </a:p>
+          <a:p>
+            <a:r>
+              <a:rPr lang="en-US" dirty="0"/>
+              <a:t>Weights</a:t>
+            </a:r>
+          </a:p>
+        </p:txBody>
+      </p:sp>
+      <p:pic>
+        <p:nvPicPr>
+          <p:cNvPr id="8" name="Picture 7">
+            <a:extLst>
+              <a:ext uri="{FF2B5EF4-FFF2-40B4-BE49-F238E27FC236}">
+                <a16:creationId xmlns:a16="http://schemas.microsoft.com/office/drawing/2014/main" id="{5C8C40AA-FCD1-C742-B5F0-2FA76F66B58C}"/>
+              </a:ext>
+            </a:extLst>
+          </p:cNvPr>
+          <p:cNvPicPr>
+            <a:picLocks noChangeAspect="1"/>
+          </p:cNvPicPr>
+          <p:nvPr/>
+        </p:nvPicPr>
+        <p:blipFill>
+          <a:blip r:embed="rId3"/>
+          <a:stretch>
+            <a:fillRect/>
+          </a:stretch>
+        </p:blipFill>
+        <p:spPr>
+          <a:xfrm>
+            <a:off x="587519" y="1460500"/>
+            <a:ext cx="10083800" cy="5397500"/>
+          </a:xfrm>
+          <a:prstGeom prst="rect">
+            <a:avLst/>
+          </a:prstGeom>
+        </p:spPr>
+      </p:pic>
+    </p:spTree>
+    <p:extLst>
+      <p:ext uri="{BB962C8B-B14F-4D97-AF65-F5344CB8AC3E}">
+        <p14:creationId xmlns:p14="http://schemas.microsoft.com/office/powerpoint/2010/main" val="3911597361"/>
+      </p:ext>
+    </p:extLst>
+  </p:cSld>
+  <p:clrMapOvr>
+    <a:masterClrMapping/>
+  </p:clrMapOvr>
+</p:sld>
+</file>
+
+<file path=ppt/slides/slide5.xml><?xml version="1.0" encoding="utf-8"?>
+<p:sld xmlns:a="http://schemas.openxmlformats.org/drawingml/2006/main" xmlns:r="http://schemas.openxmlformats.org/officeDocument/2006/relationships" xmlns:p="http://schemas.openxmlformats.org/presentationml/2006/main">
+  <p:cSld>
+    <p:spTree>
+      <p:nvGrpSpPr>
+        <p:cNvPr id="1" name=""/>
+        <p:cNvGrpSpPr/>
+        <p:nvPr/>
+      </p:nvGrpSpPr>
+      <p:grpSpPr>
+        <a:xfrm>
+          <a:off x="0" y="0"/>
+          <a:ext cx="0" cy="0"/>
+          <a:chOff x="0" y="0"/>
+          <a:chExt cx="0" cy="0"/>
+        </a:xfrm>
+      </p:grpSpPr>
+      <p:sp>
+        <p:nvSpPr>
+          <p:cNvPr id="2" name="Title 1">
+            <a:extLst>
+              <a:ext uri="{FF2B5EF4-FFF2-40B4-BE49-F238E27FC236}">
+                <a16:creationId xmlns:a16="http://schemas.microsoft.com/office/drawing/2014/main" id="{0192CC48-066B-8B4D-9F3C-FEFD45ED7F62}"/>
+              </a:ext>
+            </a:extLst>
+          </p:cNvPr>
+          <p:cNvSpPr>
+            <a:spLocks noGrp="1"/>
+          </p:cNvSpPr>
+          <p:nvPr>
+            <p:ph type="title"/>
+          </p:nvPr>
+        </p:nvSpPr>
+        <p:spPr/>
+        <p:txBody>
+          <a:bodyPr/>
+          <a:lstStyle/>
+          <a:p>
+            <a:r>
+              <a:rPr lang="en-US" dirty="0"/>
+              <a:t>MSC03</a:t>
+            </a:r>
+          </a:p>
+        </p:txBody>
+      </p:sp>
+      <p:pic>
+        <p:nvPicPr>
+          <p:cNvPr id="4" name="Picture 3">
+            <a:extLst>
+              <a:ext uri="{FF2B5EF4-FFF2-40B4-BE49-F238E27FC236}">
+                <a16:creationId xmlns:a16="http://schemas.microsoft.com/office/drawing/2014/main" id="{3A180647-2F43-7E47-8B72-82B288D99FE3}"/>
+              </a:ext>
+            </a:extLst>
+          </p:cNvPr>
+          <p:cNvPicPr>
+            <a:picLocks/>
+          </p:cNvPicPr>
+          <p:nvPr/>
+        </p:nvPicPr>
+        <p:blipFill rotWithShape="1">
+          <a:blip r:embed="rId2"/>
+          <a:srcRect t="37060" r="2565" b="13793"/>
+          <a:stretch/>
+        </p:blipFill>
+        <p:spPr>
+          <a:xfrm rot="16200000">
+            <a:off x="11186869" y="3725510"/>
+            <a:ext cx="1747977" cy="223836"/>
+          </a:xfrm>
+          <a:prstGeom prst="rect">
+            <a:avLst/>
+          </a:prstGeom>
+        </p:spPr>
+      </p:pic>
+      <p:sp>
+        <p:nvSpPr>
+          <p:cNvPr id="5" name="TextBox 4">
+            <a:extLst>
+              <a:ext uri="{FF2B5EF4-FFF2-40B4-BE49-F238E27FC236}">
+                <a16:creationId xmlns:a16="http://schemas.microsoft.com/office/drawing/2014/main" id="{C2B78C3F-CF8D-F24D-AF61-405C324564FD}"/>
+              </a:ext>
+            </a:extLst>
+          </p:cNvPr>
+          <p:cNvSpPr txBox="1"/>
+          <p:nvPr/>
+        </p:nvSpPr>
+        <p:spPr>
+          <a:xfrm>
+            <a:off x="11777902" y="4759743"/>
+            <a:ext cx="615635" cy="369332"/>
+          </a:xfrm>
+          <a:prstGeom prst="rect">
+            <a:avLst/>
+          </a:prstGeom>
+          <a:noFill/>
+        </p:spPr>
+        <p:txBody>
+          <a:bodyPr wrap="square" rtlCol="0">
+            <a:spAutoFit/>
+          </a:bodyPr>
+          <a:lstStyle/>
+          <a:p>
+            <a:r>
+              <a:rPr lang="en-US" dirty="0"/>
+              <a:t>.02</a:t>
+            </a:r>
+          </a:p>
+        </p:txBody>
+      </p:sp>
+      <p:sp>
+        <p:nvSpPr>
+          <p:cNvPr id="6" name="TextBox 5">
+            <a:extLst>
+              <a:ext uri="{FF2B5EF4-FFF2-40B4-BE49-F238E27FC236}">
+                <a16:creationId xmlns:a16="http://schemas.microsoft.com/office/drawing/2014/main" id="{535CAB6F-B5FE-B54D-9A88-AC46FD97EAD9}"/>
+              </a:ext>
+            </a:extLst>
+          </p:cNvPr>
+          <p:cNvSpPr txBox="1"/>
+          <p:nvPr/>
+        </p:nvSpPr>
+        <p:spPr>
+          <a:xfrm>
+            <a:off x="11853696" y="2578299"/>
+            <a:ext cx="638160" cy="369332"/>
+          </a:xfrm>
+          <a:prstGeom prst="rect">
+            <a:avLst/>
+          </a:prstGeom>
+          <a:noFill/>
+        </p:spPr>
+        <p:txBody>
+          <a:bodyPr wrap="square" rtlCol="0">
+            <a:spAutoFit/>
+          </a:bodyPr>
+          <a:lstStyle/>
+          <a:p>
+            <a:r>
+              <a:rPr lang="en-US" dirty="0"/>
+              <a:t>.1</a:t>
+            </a:r>
+          </a:p>
+        </p:txBody>
+      </p:sp>
+      <p:sp>
+        <p:nvSpPr>
+          <p:cNvPr id="7" name="TextBox 6">
+            <a:extLst>
+              <a:ext uri="{FF2B5EF4-FFF2-40B4-BE49-F238E27FC236}">
+                <a16:creationId xmlns:a16="http://schemas.microsoft.com/office/drawing/2014/main" id="{A7EF003A-19E2-F24A-82B8-9081524B655D}"/>
+              </a:ext>
+            </a:extLst>
+          </p:cNvPr>
+          <p:cNvSpPr txBox="1"/>
+          <p:nvPr/>
+        </p:nvSpPr>
+        <p:spPr>
+          <a:xfrm>
+            <a:off x="11590959" y="5034660"/>
+            <a:ext cx="1231515" cy="646331"/>
+          </a:xfrm>
+          <a:prstGeom prst="rect">
+            <a:avLst/>
+          </a:prstGeom>
+          <a:noFill/>
+        </p:spPr>
+        <p:txBody>
+          <a:bodyPr wrap="square" rtlCol="0">
+            <a:spAutoFit/>
+          </a:bodyPr>
+          <a:lstStyle/>
+          <a:p>
+            <a:r>
+              <a:rPr lang="en-US" dirty="0"/>
+              <a:t>Feature </a:t>
+            </a:r>
+          </a:p>
+          <a:p>
+            <a:r>
+              <a:rPr lang="en-US" dirty="0"/>
+              <a:t>Weights</a:t>
+            </a:r>
+          </a:p>
+        </p:txBody>
+      </p:sp>
+      <p:pic>
+        <p:nvPicPr>
+          <p:cNvPr id="8" name="Picture 7">
+            <a:extLst>
+              <a:ext uri="{FF2B5EF4-FFF2-40B4-BE49-F238E27FC236}">
+                <a16:creationId xmlns:a16="http://schemas.microsoft.com/office/drawing/2014/main" id="{24E42ABF-C857-044E-B463-C3C2F8F809E9}"/>
+              </a:ext>
+            </a:extLst>
+          </p:cNvPr>
+          <p:cNvPicPr>
+            <a:picLocks noChangeAspect="1"/>
+          </p:cNvPicPr>
+          <p:nvPr/>
+        </p:nvPicPr>
+        <p:blipFill>
+          <a:blip r:embed="rId3"/>
+          <a:stretch>
+            <a:fillRect/>
+          </a:stretch>
+        </p:blipFill>
+        <p:spPr>
+          <a:xfrm>
+            <a:off x="518246" y="1460500"/>
+            <a:ext cx="10083800" cy="5397500"/>
+          </a:xfrm>
+          <a:prstGeom prst="rect">
+            <a:avLst/>
+          </a:prstGeom>
+        </p:spPr>
+      </p:pic>
+    </p:spTree>
+    <p:extLst>
+      <p:ext uri="{BB962C8B-B14F-4D97-AF65-F5344CB8AC3E}">
+        <p14:creationId xmlns:p14="http://schemas.microsoft.com/office/powerpoint/2010/main" val="1561084384"/>
+      </p:ext>
+    </p:extLst>
+  </p:cSld>
+  <p:clrMapOvr>
+    <a:masterClrMapping/>
+  </p:clrMapOvr>
+</p:sld>
+</file>
+
+<file path=ppt/slides/slide6.xml><?xml version="1.0" encoding="utf-8"?>
+<p:sld xmlns:a="http://schemas.openxmlformats.org/drawingml/2006/main" xmlns:r="http://schemas.openxmlformats.org/officeDocument/2006/relationships" xmlns:p="http://schemas.openxmlformats.org/presentationml/2006/main">
+  <p:cSld>
+    <p:spTree>
+      <p:nvGrpSpPr>
+        <p:cNvPr id="1" name=""/>
+        <p:cNvGrpSpPr/>
+        <p:nvPr/>
+      </p:nvGrpSpPr>
+      <p:grpSpPr>
+        <a:xfrm>
+          <a:off x="0" y="0"/>
+          <a:ext cx="0" cy="0"/>
+          <a:chOff x="0" y="0"/>
+          <a:chExt cx="0" cy="0"/>
+        </a:xfrm>
+      </p:grpSpPr>
+      <p:sp>
+        <p:nvSpPr>
+          <p:cNvPr id="2" name="Title 1">
+            <a:extLst>
+              <a:ext uri="{FF2B5EF4-FFF2-40B4-BE49-F238E27FC236}">
+                <a16:creationId xmlns:a16="http://schemas.microsoft.com/office/drawing/2014/main" id="{0192CC48-066B-8B4D-9F3C-FEFD45ED7F62}"/>
+              </a:ext>
+            </a:extLst>
+          </p:cNvPr>
+          <p:cNvSpPr>
+            <a:spLocks noGrp="1"/>
+          </p:cNvSpPr>
+          <p:nvPr>
+            <p:ph type="title"/>
+          </p:nvPr>
+        </p:nvSpPr>
+        <p:spPr/>
+        <p:txBody>
+          <a:bodyPr/>
+          <a:lstStyle/>
+          <a:p>
+            <a:r>
+              <a:rPr lang="en-US" dirty="0"/>
+              <a:t>MSC04</a:t>
+            </a:r>
+          </a:p>
+        </p:txBody>
+      </p:sp>
+      <p:pic>
+        <p:nvPicPr>
+          <p:cNvPr id="4" name="Picture 3">
+            <a:extLst>
+              <a:ext uri="{FF2B5EF4-FFF2-40B4-BE49-F238E27FC236}">
+                <a16:creationId xmlns:a16="http://schemas.microsoft.com/office/drawing/2014/main" id="{3A180647-2F43-7E47-8B72-82B288D99FE3}"/>
+              </a:ext>
+            </a:extLst>
+          </p:cNvPr>
+          <p:cNvPicPr>
+            <a:picLocks/>
+          </p:cNvPicPr>
+          <p:nvPr/>
+        </p:nvPicPr>
+        <p:blipFill rotWithShape="1">
+          <a:blip r:embed="rId2"/>
+          <a:srcRect t="37060" r="2565" b="13793"/>
+          <a:stretch/>
+        </p:blipFill>
+        <p:spPr>
+          <a:xfrm rot="16200000">
+            <a:off x="11186869" y="3725510"/>
+            <a:ext cx="1747977" cy="223836"/>
+          </a:xfrm>
+          <a:prstGeom prst="rect">
+            <a:avLst/>
+          </a:prstGeom>
+        </p:spPr>
+      </p:pic>
+      <p:sp>
+        <p:nvSpPr>
+          <p:cNvPr id="5" name="TextBox 4">
+            <a:extLst>
+              <a:ext uri="{FF2B5EF4-FFF2-40B4-BE49-F238E27FC236}">
+                <a16:creationId xmlns:a16="http://schemas.microsoft.com/office/drawing/2014/main" id="{C2B78C3F-CF8D-F24D-AF61-405C324564FD}"/>
+              </a:ext>
+            </a:extLst>
+          </p:cNvPr>
+          <p:cNvSpPr txBox="1"/>
+          <p:nvPr/>
+        </p:nvSpPr>
+        <p:spPr>
+          <a:xfrm>
+            <a:off x="11777902" y="4759743"/>
+            <a:ext cx="615635" cy="369332"/>
+          </a:xfrm>
+          <a:prstGeom prst="rect">
+            <a:avLst/>
+          </a:prstGeom>
+          <a:noFill/>
+        </p:spPr>
+        <p:txBody>
+          <a:bodyPr wrap="square" rtlCol="0">
+            <a:spAutoFit/>
+          </a:bodyPr>
+          <a:lstStyle/>
+          <a:p>
+            <a:r>
+              <a:rPr lang="en-US" dirty="0"/>
+              <a:t>.02</a:t>
+            </a:r>
+          </a:p>
+        </p:txBody>
+      </p:sp>
+      <p:sp>
+        <p:nvSpPr>
+          <p:cNvPr id="6" name="TextBox 5">
+            <a:extLst>
+              <a:ext uri="{FF2B5EF4-FFF2-40B4-BE49-F238E27FC236}">
+                <a16:creationId xmlns:a16="http://schemas.microsoft.com/office/drawing/2014/main" id="{535CAB6F-B5FE-B54D-9A88-AC46FD97EAD9}"/>
+              </a:ext>
+            </a:extLst>
+          </p:cNvPr>
+          <p:cNvSpPr txBox="1"/>
+          <p:nvPr/>
+        </p:nvSpPr>
+        <p:spPr>
+          <a:xfrm>
+            <a:off x="11853696" y="2578299"/>
+            <a:ext cx="638160" cy="369332"/>
+          </a:xfrm>
+          <a:prstGeom prst="rect">
+            <a:avLst/>
+          </a:prstGeom>
+          <a:noFill/>
+        </p:spPr>
+        <p:txBody>
+          <a:bodyPr wrap="square" rtlCol="0">
+            <a:spAutoFit/>
+          </a:bodyPr>
+          <a:lstStyle/>
+          <a:p>
+            <a:r>
+              <a:rPr lang="en-US" dirty="0"/>
+              <a:t>.1</a:t>
+            </a:r>
+          </a:p>
+        </p:txBody>
+      </p:sp>
+      <p:sp>
+        <p:nvSpPr>
+          <p:cNvPr id="7" name="TextBox 6">
+            <a:extLst>
+              <a:ext uri="{FF2B5EF4-FFF2-40B4-BE49-F238E27FC236}">
+                <a16:creationId xmlns:a16="http://schemas.microsoft.com/office/drawing/2014/main" id="{A7EF003A-19E2-F24A-82B8-9081524B655D}"/>
+              </a:ext>
+            </a:extLst>
+          </p:cNvPr>
+          <p:cNvSpPr txBox="1"/>
+          <p:nvPr/>
+        </p:nvSpPr>
+        <p:spPr>
+          <a:xfrm>
+            <a:off x="11590959" y="5034660"/>
+            <a:ext cx="1231515" cy="646331"/>
+          </a:xfrm>
+          <a:prstGeom prst="rect">
+            <a:avLst/>
+          </a:prstGeom>
+          <a:noFill/>
+        </p:spPr>
+        <p:txBody>
+          <a:bodyPr wrap="square" rtlCol="0">
+            <a:spAutoFit/>
+          </a:bodyPr>
+          <a:lstStyle/>
+          <a:p>
+            <a:r>
+              <a:rPr lang="en-US" dirty="0"/>
+              <a:t>Feature </a:t>
+            </a:r>
+          </a:p>
+          <a:p>
+            <a:r>
+              <a:rPr lang="en-US" dirty="0"/>
+              <a:t>Weights</a:t>
+            </a:r>
+          </a:p>
+        </p:txBody>
+      </p:sp>
+      <p:pic>
+        <p:nvPicPr>
+          <p:cNvPr id="8" name="Picture 7">
+            <a:extLst>
+              <a:ext uri="{FF2B5EF4-FFF2-40B4-BE49-F238E27FC236}">
+                <a16:creationId xmlns:a16="http://schemas.microsoft.com/office/drawing/2014/main" id="{9723452D-B774-F448-B0A8-2DF064013A2F}"/>
+              </a:ext>
+            </a:extLst>
+          </p:cNvPr>
+          <p:cNvPicPr>
+            <a:picLocks noChangeAspect="1"/>
+          </p:cNvPicPr>
+          <p:nvPr/>
+        </p:nvPicPr>
+        <p:blipFill>
+          <a:blip r:embed="rId3"/>
+          <a:stretch>
+            <a:fillRect/>
+          </a:stretch>
+        </p:blipFill>
+        <p:spPr>
+          <a:xfrm>
+            <a:off x="351992" y="1353705"/>
+            <a:ext cx="10083800" cy="5397500"/>
+          </a:xfrm>
+          <a:prstGeom prst="rect">
+            <a:avLst/>
+          </a:prstGeom>
+        </p:spPr>
+      </p:pic>
+    </p:spTree>
+    <p:extLst>
+      <p:ext uri="{BB962C8B-B14F-4D97-AF65-F5344CB8AC3E}">
+        <p14:creationId xmlns:p14="http://schemas.microsoft.com/office/powerpoint/2010/main" val="2616934181"/>
+      </p:ext>
+    </p:extLst>
+  </p:cSld>
+  <p:clrMapOvr>
+    <a:masterClrMapping/>
+  </p:clrMapOvr>
+</p:sld>
+</file>
+
+<file path=ppt/slides/slide7.xml><?xml version="1.0" encoding="utf-8"?>
+<p:sld xmlns:a="http://schemas.openxmlformats.org/drawingml/2006/main" xmlns:r="http://schemas.openxmlformats.org/officeDocument/2006/relationships" xmlns:p="http://schemas.openxmlformats.org/presentationml/2006/main">
+  <p:cSld>
+    <p:spTree>
+      <p:nvGrpSpPr>
+        <p:cNvPr id="1" name=""/>
+        <p:cNvGrpSpPr/>
+        <p:nvPr/>
+      </p:nvGrpSpPr>
+      <p:grpSpPr>
+        <a:xfrm>
+          <a:off x="0" y="0"/>
+          <a:ext cx="0" cy="0"/>
+          <a:chOff x="0" y="0"/>
+          <a:chExt cx="0" cy="0"/>
+        </a:xfrm>
+      </p:grpSpPr>
+      <p:sp>
+        <p:nvSpPr>
+          <p:cNvPr id="2" name="Title 1">
+            <a:extLst>
+              <a:ext uri="{FF2B5EF4-FFF2-40B4-BE49-F238E27FC236}">
+                <a16:creationId xmlns:a16="http://schemas.microsoft.com/office/drawing/2014/main" id="{0192CC48-066B-8B4D-9F3C-FEFD45ED7F62}"/>
+              </a:ext>
+            </a:extLst>
+          </p:cNvPr>
+          <p:cNvSpPr>
+            <a:spLocks noGrp="1"/>
+          </p:cNvSpPr>
+          <p:nvPr>
+            <p:ph type="title"/>
+          </p:nvPr>
+        </p:nvSpPr>
+        <p:spPr/>
+        <p:txBody>
+          <a:bodyPr/>
+          <a:lstStyle/>
+          <a:p>
+            <a:r>
+              <a:rPr lang="en-US" dirty="0"/>
+              <a:t>MSC05</a:t>
+            </a:r>
+          </a:p>
+        </p:txBody>
+      </p:sp>
+      <p:pic>
+        <p:nvPicPr>
+          <p:cNvPr id="4" name="Picture 3">
+            <a:extLst>
+              <a:ext uri="{FF2B5EF4-FFF2-40B4-BE49-F238E27FC236}">
+                <a16:creationId xmlns:a16="http://schemas.microsoft.com/office/drawing/2014/main" id="{3A180647-2F43-7E47-8B72-82B288D99FE3}"/>
+              </a:ext>
+            </a:extLst>
+          </p:cNvPr>
+          <p:cNvPicPr>
+            <a:picLocks/>
+          </p:cNvPicPr>
+          <p:nvPr/>
+        </p:nvPicPr>
+        <p:blipFill rotWithShape="1">
+          <a:blip r:embed="rId2"/>
+          <a:srcRect t="37060" r="2565" b="13793"/>
+          <a:stretch/>
+        </p:blipFill>
+        <p:spPr>
+          <a:xfrm rot="16200000">
+            <a:off x="11186869" y="3725510"/>
+            <a:ext cx="1747977" cy="223836"/>
+          </a:xfrm>
+          <a:prstGeom prst="rect">
+            <a:avLst/>
+          </a:prstGeom>
+        </p:spPr>
+      </p:pic>
+      <p:sp>
+        <p:nvSpPr>
+          <p:cNvPr id="5" name="TextBox 4">
+            <a:extLst>
+              <a:ext uri="{FF2B5EF4-FFF2-40B4-BE49-F238E27FC236}">
+                <a16:creationId xmlns:a16="http://schemas.microsoft.com/office/drawing/2014/main" id="{C2B78C3F-CF8D-F24D-AF61-405C324564FD}"/>
+              </a:ext>
+            </a:extLst>
+          </p:cNvPr>
+          <p:cNvSpPr txBox="1"/>
+          <p:nvPr/>
+        </p:nvSpPr>
+        <p:spPr>
+          <a:xfrm>
+            <a:off x="11777902" y="4759743"/>
+            <a:ext cx="615635" cy="369332"/>
+          </a:xfrm>
+          <a:prstGeom prst="rect">
+            <a:avLst/>
+          </a:prstGeom>
+          <a:noFill/>
+        </p:spPr>
+        <p:txBody>
+          <a:bodyPr wrap="square" rtlCol="0">
+            <a:spAutoFit/>
+          </a:bodyPr>
+          <a:lstStyle/>
+          <a:p>
+            <a:r>
+              <a:rPr lang="en-US" dirty="0"/>
+              <a:t>.02</a:t>
+            </a:r>
+          </a:p>
+        </p:txBody>
+      </p:sp>
+      <p:sp>
+        <p:nvSpPr>
+          <p:cNvPr id="6" name="TextBox 5">
+            <a:extLst>
+              <a:ext uri="{FF2B5EF4-FFF2-40B4-BE49-F238E27FC236}">
+                <a16:creationId xmlns:a16="http://schemas.microsoft.com/office/drawing/2014/main" id="{535CAB6F-B5FE-B54D-9A88-AC46FD97EAD9}"/>
+              </a:ext>
+            </a:extLst>
+          </p:cNvPr>
+          <p:cNvSpPr txBox="1"/>
+          <p:nvPr/>
+        </p:nvSpPr>
+        <p:spPr>
+          <a:xfrm>
+            <a:off x="11853696" y="2578299"/>
+            <a:ext cx="638160" cy="369332"/>
+          </a:xfrm>
+          <a:prstGeom prst="rect">
+            <a:avLst/>
+          </a:prstGeom>
+          <a:noFill/>
+        </p:spPr>
+        <p:txBody>
+          <a:bodyPr wrap="square" rtlCol="0">
+            <a:spAutoFit/>
+          </a:bodyPr>
+          <a:lstStyle/>
+          <a:p>
+            <a:r>
+              <a:rPr lang="en-US" dirty="0"/>
+              <a:t>.1</a:t>
+            </a:r>
+          </a:p>
+        </p:txBody>
+      </p:sp>
+      <p:sp>
+        <p:nvSpPr>
+          <p:cNvPr id="7" name="TextBox 6">
+            <a:extLst>
+              <a:ext uri="{FF2B5EF4-FFF2-40B4-BE49-F238E27FC236}">
+                <a16:creationId xmlns:a16="http://schemas.microsoft.com/office/drawing/2014/main" id="{A7EF003A-19E2-F24A-82B8-9081524B655D}"/>
+              </a:ext>
+            </a:extLst>
+          </p:cNvPr>
+          <p:cNvSpPr txBox="1"/>
+          <p:nvPr/>
+        </p:nvSpPr>
+        <p:spPr>
+          <a:xfrm>
+            <a:off x="11590959" y="5034660"/>
+            <a:ext cx="1231515" cy="646331"/>
+          </a:xfrm>
+          <a:prstGeom prst="rect">
+            <a:avLst/>
+          </a:prstGeom>
+          <a:noFill/>
+        </p:spPr>
+        <p:txBody>
+          <a:bodyPr wrap="square" rtlCol="0">
+            <a:spAutoFit/>
+          </a:bodyPr>
+          <a:lstStyle/>
+          <a:p>
+            <a:r>
+              <a:rPr lang="en-US" dirty="0"/>
+              <a:t>Feature </a:t>
+            </a:r>
+          </a:p>
+          <a:p>
+            <a:r>
+              <a:rPr lang="en-US" dirty="0"/>
+              <a:t>Weights</a:t>
+            </a:r>
+          </a:p>
+        </p:txBody>
+      </p:sp>
+      <p:pic>
+        <p:nvPicPr>
+          <p:cNvPr id="8" name="Picture 7">
+            <a:extLst>
+              <a:ext uri="{FF2B5EF4-FFF2-40B4-BE49-F238E27FC236}">
+                <a16:creationId xmlns:a16="http://schemas.microsoft.com/office/drawing/2014/main" id="{840772A0-80DE-7D41-ACAC-750F028B1C70}"/>
+              </a:ext>
+            </a:extLst>
+          </p:cNvPr>
+          <p:cNvPicPr>
+            <a:picLocks noChangeAspect="1"/>
+          </p:cNvPicPr>
+          <p:nvPr/>
+        </p:nvPicPr>
+        <p:blipFill>
+          <a:blip r:embed="rId3"/>
+          <a:stretch>
+            <a:fillRect/>
+          </a:stretch>
+        </p:blipFill>
+        <p:spPr>
+          <a:xfrm>
+            <a:off x="435119" y="1353704"/>
+            <a:ext cx="10083800" cy="5397500"/>
+          </a:xfrm>
+          <a:prstGeom prst="rect">
+            <a:avLst/>
+          </a:prstGeom>
+        </p:spPr>
+      </p:pic>
+    </p:spTree>
+    <p:extLst>
+      <p:ext uri="{BB962C8B-B14F-4D97-AF65-F5344CB8AC3E}">
+        <p14:creationId xmlns:p14="http://schemas.microsoft.com/office/powerpoint/2010/main" val="3254510066"/>
+      </p:ext>
+    </p:extLst>
+  </p:cSld>
+  <p:clrMapOvr>
+    <a:masterClrMapping/>
+  </p:clrMapOvr>
+</p:sld>
+</file>
+
+<file path=ppt/slides/slide8.xml><?xml version="1.0" encoding="utf-8"?>
+<p:sld xmlns:a="http://schemas.openxmlformats.org/drawingml/2006/main" xmlns:r="http://schemas.openxmlformats.org/officeDocument/2006/relationships" xmlns:p="http://schemas.openxmlformats.org/presentationml/2006/main">
+  <p:cSld>
+    <p:spTree>
+      <p:nvGrpSpPr>
+        <p:cNvPr id="1" name=""/>
+        <p:cNvGrpSpPr/>
+        <p:nvPr/>
+      </p:nvGrpSpPr>
+      <p:grpSpPr>
+        <a:xfrm>
+          <a:off x="0" y="0"/>
+          <a:ext cx="0" cy="0"/>
+          <a:chOff x="0" y="0"/>
+          <a:chExt cx="0" cy="0"/>
+        </a:xfrm>
+      </p:grpSpPr>
+      <p:sp>
+        <p:nvSpPr>
+          <p:cNvPr id="2" name="Title 1">
+            <a:extLst>
+              <a:ext uri="{FF2B5EF4-FFF2-40B4-BE49-F238E27FC236}">
+                <a16:creationId xmlns:a16="http://schemas.microsoft.com/office/drawing/2014/main" id="{0192CC48-066B-8B4D-9F3C-FEFD45ED7F62}"/>
+              </a:ext>
+            </a:extLst>
+          </p:cNvPr>
+          <p:cNvSpPr>
+            <a:spLocks noGrp="1"/>
+          </p:cNvSpPr>
+          <p:nvPr>
+            <p:ph type="title"/>
+          </p:nvPr>
+        </p:nvSpPr>
+        <p:spPr/>
+        <p:txBody>
+          <a:bodyPr/>
+          <a:lstStyle/>
+          <a:p>
+            <a:r>
+              <a:rPr lang="en-US" dirty="0"/>
+              <a:t>MSC06</a:t>
+            </a:r>
+          </a:p>
+        </p:txBody>
+      </p:sp>
+      <p:pic>
+        <p:nvPicPr>
+          <p:cNvPr id="4" name="Picture 3">
+            <a:extLst>
+              <a:ext uri="{FF2B5EF4-FFF2-40B4-BE49-F238E27FC236}">
+                <a16:creationId xmlns:a16="http://schemas.microsoft.com/office/drawing/2014/main" id="{3A180647-2F43-7E47-8B72-82B288D99FE3}"/>
+              </a:ext>
+            </a:extLst>
+          </p:cNvPr>
+          <p:cNvPicPr>
+            <a:picLocks/>
+          </p:cNvPicPr>
+          <p:nvPr/>
+        </p:nvPicPr>
+        <p:blipFill rotWithShape="1">
+          <a:blip r:embed="rId2"/>
+          <a:srcRect t="37060" r="2565" b="13793"/>
+          <a:stretch/>
+        </p:blipFill>
+        <p:spPr>
+          <a:xfrm rot="16200000">
+            <a:off x="11186869" y="3725510"/>
+            <a:ext cx="1747977" cy="223836"/>
+          </a:xfrm>
+          <a:prstGeom prst="rect">
+            <a:avLst/>
+          </a:prstGeom>
+        </p:spPr>
+      </p:pic>
+      <p:sp>
+        <p:nvSpPr>
+          <p:cNvPr id="5" name="TextBox 4">
+            <a:extLst>
+              <a:ext uri="{FF2B5EF4-FFF2-40B4-BE49-F238E27FC236}">
+                <a16:creationId xmlns:a16="http://schemas.microsoft.com/office/drawing/2014/main" id="{C2B78C3F-CF8D-F24D-AF61-405C324564FD}"/>
+              </a:ext>
+            </a:extLst>
+          </p:cNvPr>
+          <p:cNvSpPr txBox="1"/>
+          <p:nvPr/>
+        </p:nvSpPr>
+        <p:spPr>
+          <a:xfrm>
+            <a:off x="11777902" y="4759743"/>
+            <a:ext cx="615635" cy="369332"/>
+          </a:xfrm>
+          <a:prstGeom prst="rect">
+            <a:avLst/>
+          </a:prstGeom>
+          <a:noFill/>
+        </p:spPr>
+        <p:txBody>
+          <a:bodyPr wrap="square" rtlCol="0">
+            <a:spAutoFit/>
+          </a:bodyPr>
+          <a:lstStyle/>
+          <a:p>
+            <a:r>
+              <a:rPr lang="en-US" dirty="0"/>
+              <a:t>.02</a:t>
+            </a:r>
+          </a:p>
+        </p:txBody>
+      </p:sp>
+      <p:sp>
+        <p:nvSpPr>
+          <p:cNvPr id="6" name="TextBox 5">
+            <a:extLst>
+              <a:ext uri="{FF2B5EF4-FFF2-40B4-BE49-F238E27FC236}">
+                <a16:creationId xmlns:a16="http://schemas.microsoft.com/office/drawing/2014/main" id="{535CAB6F-B5FE-B54D-9A88-AC46FD97EAD9}"/>
+              </a:ext>
+            </a:extLst>
+          </p:cNvPr>
+          <p:cNvSpPr txBox="1"/>
+          <p:nvPr/>
+        </p:nvSpPr>
+        <p:spPr>
+          <a:xfrm>
+            <a:off x="11853696" y="2578299"/>
+            <a:ext cx="638160" cy="369332"/>
+          </a:xfrm>
+          <a:prstGeom prst="rect">
+            <a:avLst/>
+          </a:prstGeom>
+          <a:noFill/>
+        </p:spPr>
+        <p:txBody>
+          <a:bodyPr wrap="square" rtlCol="0">
+            <a:spAutoFit/>
+          </a:bodyPr>
+          <a:lstStyle/>
+          <a:p>
+            <a:r>
+              <a:rPr lang="en-US" dirty="0"/>
+              <a:t>.1</a:t>
+            </a:r>
+          </a:p>
+        </p:txBody>
+      </p:sp>
+      <p:sp>
+        <p:nvSpPr>
+          <p:cNvPr id="7" name="TextBox 6">
+            <a:extLst>
+              <a:ext uri="{FF2B5EF4-FFF2-40B4-BE49-F238E27FC236}">
+                <a16:creationId xmlns:a16="http://schemas.microsoft.com/office/drawing/2014/main" id="{A7EF003A-19E2-F24A-82B8-9081524B655D}"/>
+              </a:ext>
+            </a:extLst>
+          </p:cNvPr>
+          <p:cNvSpPr txBox="1"/>
+          <p:nvPr/>
+        </p:nvSpPr>
+        <p:spPr>
+          <a:xfrm>
+            <a:off x="11590959" y="5034660"/>
+            <a:ext cx="1231515" cy="646331"/>
+          </a:xfrm>
+          <a:prstGeom prst="rect">
+            <a:avLst/>
+          </a:prstGeom>
+          <a:noFill/>
+        </p:spPr>
+        <p:txBody>
+          <a:bodyPr wrap="square" rtlCol="0">
+            <a:spAutoFit/>
+          </a:bodyPr>
+          <a:lstStyle/>
+          <a:p>
+            <a:r>
+              <a:rPr lang="en-US" dirty="0"/>
+              <a:t>Feature </a:t>
+            </a:r>
+          </a:p>
+          <a:p>
+            <a:r>
+              <a:rPr lang="en-US" dirty="0"/>
+              <a:t>Weights</a:t>
+            </a:r>
+          </a:p>
+        </p:txBody>
+      </p:sp>
+      <p:pic>
+        <p:nvPicPr>
+          <p:cNvPr id="8" name="Picture 7">
+            <a:extLst>
+              <a:ext uri="{FF2B5EF4-FFF2-40B4-BE49-F238E27FC236}">
+                <a16:creationId xmlns:a16="http://schemas.microsoft.com/office/drawing/2014/main" id="{CEEA0873-1421-EE4D-BCA8-BF4881FBA439}"/>
+              </a:ext>
+            </a:extLst>
+          </p:cNvPr>
+          <p:cNvPicPr>
+            <a:picLocks noChangeAspect="1"/>
+          </p:cNvPicPr>
+          <p:nvPr/>
+        </p:nvPicPr>
+        <p:blipFill>
+          <a:blip r:embed="rId3"/>
+          <a:stretch>
+            <a:fillRect/>
+          </a:stretch>
+        </p:blipFill>
+        <p:spPr>
+          <a:xfrm>
+            <a:off x="421264" y="1460500"/>
+            <a:ext cx="10083800" cy="5397500"/>
+          </a:xfrm>
+          <a:prstGeom prst="rect">
+            <a:avLst/>
+          </a:prstGeom>
+        </p:spPr>
+      </p:pic>
+    </p:spTree>
+    <p:extLst>
+      <p:ext uri="{BB962C8B-B14F-4D97-AF65-F5344CB8AC3E}">
+        <p14:creationId xmlns:p14="http://schemas.microsoft.com/office/powerpoint/2010/main" val="1599380015"/>
+      </p:ext>
+    </p:extLst>
+  </p:cSld>
+  <p:clrMapOvr>
+    <a:masterClrMapping/>
+  </p:clrMapOvr>
+</p:sld>
+</file>
+
+<file path=ppt/slides/slide9.xml><?xml version="1.0" encoding="utf-8"?>
+<p:sld xmlns:a="http://schemas.openxmlformats.org/drawingml/2006/main" xmlns:r="http://schemas.openxmlformats.org/officeDocument/2006/relationships" xmlns:p="http://schemas.openxmlformats.org/presentationml/2006/main">
+  <p:cSld>
+    <p:spTree>
+      <p:nvGrpSpPr>
+        <p:cNvPr id="1" name=""/>
+        <p:cNvGrpSpPr/>
+        <p:nvPr/>
+      </p:nvGrpSpPr>
+      <p:grpSpPr>
+        <a:xfrm>
+          <a:off x="0" y="0"/>
+          <a:ext cx="0" cy="0"/>
+          <a:chOff x="0" y="0"/>
+          <a:chExt cx="0" cy="0"/>
+        </a:xfrm>
+      </p:grpSpPr>
+      <p:sp>
+        <p:nvSpPr>
+          <p:cNvPr id="2" name="Title 1">
+            <a:extLst>
+              <a:ext uri="{FF2B5EF4-FFF2-40B4-BE49-F238E27FC236}">
+                <a16:creationId xmlns:a16="http://schemas.microsoft.com/office/drawing/2014/main" id="{0192CC48-066B-8B4D-9F3C-FEFD45ED7F62}"/>
+              </a:ext>
+            </a:extLst>
+          </p:cNvPr>
+          <p:cNvSpPr>
+            <a:spLocks noGrp="1"/>
+          </p:cNvSpPr>
+          <p:nvPr>
+            <p:ph type="title"/>
+          </p:nvPr>
+        </p:nvSpPr>
+        <p:spPr/>
+        <p:txBody>
+          <a:bodyPr/>
+          <a:lstStyle/>
+          <a:p>
+            <a:r>
+              <a:rPr lang="en-US" dirty="0"/>
+              <a:t>MSC07</a:t>
+            </a:r>
+          </a:p>
+        </p:txBody>
+      </p:sp>
+      <p:pic>
+        <p:nvPicPr>
+          <p:cNvPr id="4" name="Picture 3">
+            <a:extLst>
+              <a:ext uri="{FF2B5EF4-FFF2-40B4-BE49-F238E27FC236}">
+                <a16:creationId xmlns:a16="http://schemas.microsoft.com/office/drawing/2014/main" id="{3A180647-2F43-7E47-8B72-82B288D99FE3}"/>
+              </a:ext>
+            </a:extLst>
+          </p:cNvPr>
+          <p:cNvPicPr>
+            <a:picLocks/>
+          </p:cNvPicPr>
+          <p:nvPr/>
+        </p:nvPicPr>
+        <p:blipFill rotWithShape="1">
+          <a:blip r:embed="rId2"/>
+          <a:srcRect t="37060" r="2565" b="13793"/>
+          <a:stretch/>
+        </p:blipFill>
+        <p:spPr>
+          <a:xfrm rot="16200000">
+            <a:off x="11186869" y="3725510"/>
+            <a:ext cx="1747977" cy="223836"/>
+          </a:xfrm>
+          <a:prstGeom prst="rect">
+            <a:avLst/>
+          </a:prstGeom>
+        </p:spPr>
+      </p:pic>
+      <p:sp>
+        <p:nvSpPr>
+          <p:cNvPr id="5" name="TextBox 4">
+            <a:extLst>
+              <a:ext uri="{FF2B5EF4-FFF2-40B4-BE49-F238E27FC236}">
+                <a16:creationId xmlns:a16="http://schemas.microsoft.com/office/drawing/2014/main" id="{C2B78C3F-CF8D-F24D-AF61-405C324564FD}"/>
+              </a:ext>
+            </a:extLst>
+          </p:cNvPr>
+          <p:cNvSpPr txBox="1"/>
+          <p:nvPr/>
+        </p:nvSpPr>
+        <p:spPr>
+          <a:xfrm>
+            <a:off x="11777902" y="4759743"/>
+            <a:ext cx="615635" cy="369332"/>
+          </a:xfrm>
+          <a:prstGeom prst="rect">
+            <a:avLst/>
+          </a:prstGeom>
+          <a:noFill/>
+        </p:spPr>
+        <p:txBody>
+          <a:bodyPr wrap="square" rtlCol="0">
+            <a:spAutoFit/>
+          </a:bodyPr>
+          <a:lstStyle/>
+          <a:p>
+            <a:r>
+              <a:rPr lang="en-US" dirty="0"/>
+              <a:t>.02</a:t>
+            </a:r>
+          </a:p>
+        </p:txBody>
+      </p:sp>
+      <p:sp>
+        <p:nvSpPr>
+          <p:cNvPr id="6" name="TextBox 5">
+            <a:extLst>
+              <a:ext uri="{FF2B5EF4-FFF2-40B4-BE49-F238E27FC236}">
+                <a16:creationId xmlns:a16="http://schemas.microsoft.com/office/drawing/2014/main" id="{535CAB6F-B5FE-B54D-9A88-AC46FD97EAD9}"/>
+              </a:ext>
+            </a:extLst>
+          </p:cNvPr>
+          <p:cNvSpPr txBox="1"/>
+          <p:nvPr/>
+        </p:nvSpPr>
+        <p:spPr>
+          <a:xfrm>
+            <a:off x="11853696" y="2578299"/>
+            <a:ext cx="638160" cy="369332"/>
+          </a:xfrm>
+          <a:prstGeom prst="rect">
+            <a:avLst/>
+          </a:prstGeom>
+          <a:noFill/>
+        </p:spPr>
+        <p:txBody>
+          <a:bodyPr wrap="square" rtlCol="0">
+            <a:spAutoFit/>
+          </a:bodyPr>
+          <a:lstStyle/>
+          <a:p>
+            <a:r>
+              <a:rPr lang="en-US" dirty="0"/>
+              <a:t>.1</a:t>
+            </a:r>
+          </a:p>
+        </p:txBody>
+      </p:sp>
+      <p:sp>
+        <p:nvSpPr>
+          <p:cNvPr id="7" name="TextBox 6">
+            <a:extLst>
+              <a:ext uri="{FF2B5EF4-FFF2-40B4-BE49-F238E27FC236}">
+                <a16:creationId xmlns:a16="http://schemas.microsoft.com/office/drawing/2014/main" id="{A7EF003A-19E2-F24A-82B8-9081524B655D}"/>
+              </a:ext>
+            </a:extLst>
+          </p:cNvPr>
+          <p:cNvSpPr txBox="1"/>
+          <p:nvPr/>
+        </p:nvSpPr>
+        <p:spPr>
+          <a:xfrm>
+            <a:off x="11590959" y="5034660"/>
+            <a:ext cx="1231515" cy="646331"/>
+          </a:xfrm>
+          <a:prstGeom prst="rect">
+            <a:avLst/>
+          </a:prstGeom>
+          <a:noFill/>
+        </p:spPr>
+        <p:txBody>
+          <a:bodyPr wrap="square" rtlCol="0">
+            <a:spAutoFit/>
+          </a:bodyPr>
+          <a:lstStyle/>
+          <a:p>
+            <a:r>
+              <a:rPr lang="en-US" dirty="0"/>
+              <a:t>Feature </a:t>
+            </a:r>
+          </a:p>
+          <a:p>
+            <a:r>
+              <a:rPr lang="en-US" dirty="0"/>
+              <a:t>Weights</a:t>
+            </a:r>
+          </a:p>
+        </p:txBody>
+      </p:sp>
+      <p:pic>
+        <p:nvPicPr>
+          <p:cNvPr id="8" name="Picture 7">
+            <a:extLst>
+              <a:ext uri="{FF2B5EF4-FFF2-40B4-BE49-F238E27FC236}">
+                <a16:creationId xmlns:a16="http://schemas.microsoft.com/office/drawing/2014/main" id="{8E305231-DC62-B140-9E4E-2D2BF85F2FE9}"/>
+              </a:ext>
+            </a:extLst>
+          </p:cNvPr>
+          <p:cNvPicPr>
+            <a:picLocks noChangeAspect="1"/>
+          </p:cNvPicPr>
+          <p:nvPr/>
+        </p:nvPicPr>
+        <p:blipFill>
+          <a:blip r:embed="rId3"/>
+          <a:stretch>
+            <a:fillRect/>
+          </a:stretch>
+        </p:blipFill>
+        <p:spPr>
+          <a:xfrm>
+            <a:off x="656791" y="1339850"/>
+            <a:ext cx="10083800" cy="5397500"/>
+          </a:xfrm>
+          <a:prstGeom prst="rect">
+            <a:avLst/>
+          </a:prstGeom>
+        </p:spPr>
+      </p:pic>
+    </p:spTree>
+    <p:extLst>
+      <p:ext uri="{BB962C8B-B14F-4D97-AF65-F5344CB8AC3E}">
+        <p14:creationId xmlns:p14="http://schemas.microsoft.com/office/powerpoint/2010/main" val="2660681948"/>
       </p:ext>
     </p:extLst>
   </p:cSld>

--- a/output/figures/fw_memPres.pptx
+++ b/output/figures/fw_memPres.pptx
@@ -244,7 +244,7 @@
           <a:p>
             <a:fld id="{BADD87DB-56AE-444B-AB5A-281443860504}" type="datetimeFigureOut">
               <a:rPr lang="en-US" smtClean="0"/>
-              <a:t>4/14/22</a:t>
+              <a:t>4/15/22</a:t>
             </a:fld>
             <a:endParaRPr lang="en-US"/>
           </a:p>
@@ -414,7 +414,7 @@
           <a:p>
             <a:fld id="{BADD87DB-56AE-444B-AB5A-281443860504}" type="datetimeFigureOut">
               <a:rPr lang="en-US" smtClean="0"/>
-              <a:t>4/14/22</a:t>
+              <a:t>4/15/22</a:t>
             </a:fld>
             <a:endParaRPr lang="en-US"/>
           </a:p>
@@ -594,7 +594,7 @@
           <a:p>
             <a:fld id="{BADD87DB-56AE-444B-AB5A-281443860504}" type="datetimeFigureOut">
               <a:rPr lang="en-US" smtClean="0"/>
-              <a:t>4/14/22</a:t>
+              <a:t>4/15/22</a:t>
             </a:fld>
             <a:endParaRPr lang="en-US"/>
           </a:p>
@@ -764,7 +764,7 @@
           <a:p>
             <a:fld id="{BADD87DB-56AE-444B-AB5A-281443860504}" type="datetimeFigureOut">
               <a:rPr lang="en-US" smtClean="0"/>
-              <a:t>4/14/22</a:t>
+              <a:t>4/15/22</a:t>
             </a:fld>
             <a:endParaRPr lang="en-US"/>
           </a:p>
@@ -1010,7 +1010,7 @@
           <a:p>
             <a:fld id="{BADD87DB-56AE-444B-AB5A-281443860504}" type="datetimeFigureOut">
               <a:rPr lang="en-US" smtClean="0"/>
-              <a:t>4/14/22</a:t>
+              <a:t>4/15/22</a:t>
             </a:fld>
             <a:endParaRPr lang="en-US"/>
           </a:p>
@@ -1242,7 +1242,7 @@
           <a:p>
             <a:fld id="{BADD87DB-56AE-444B-AB5A-281443860504}" type="datetimeFigureOut">
               <a:rPr lang="en-US" smtClean="0"/>
-              <a:t>4/14/22</a:t>
+              <a:t>4/15/22</a:t>
             </a:fld>
             <a:endParaRPr lang="en-US"/>
           </a:p>
@@ -1609,7 +1609,7 @@
           <a:p>
             <a:fld id="{BADD87DB-56AE-444B-AB5A-281443860504}" type="datetimeFigureOut">
               <a:rPr lang="en-US" smtClean="0"/>
-              <a:t>4/14/22</a:t>
+              <a:t>4/15/22</a:t>
             </a:fld>
             <a:endParaRPr lang="en-US"/>
           </a:p>
@@ -1727,7 +1727,7 @@
           <a:p>
             <a:fld id="{BADD87DB-56AE-444B-AB5A-281443860504}" type="datetimeFigureOut">
               <a:rPr lang="en-US" smtClean="0"/>
-              <a:t>4/14/22</a:t>
+              <a:t>4/15/22</a:t>
             </a:fld>
             <a:endParaRPr lang="en-US"/>
           </a:p>
@@ -1822,7 +1822,7 @@
           <a:p>
             <a:fld id="{BADD87DB-56AE-444B-AB5A-281443860504}" type="datetimeFigureOut">
               <a:rPr lang="en-US" smtClean="0"/>
-              <a:t>4/14/22</a:t>
+              <a:t>4/15/22</a:t>
             </a:fld>
             <a:endParaRPr lang="en-US"/>
           </a:p>
@@ -2099,7 +2099,7 @@
           <a:p>
             <a:fld id="{BADD87DB-56AE-444B-AB5A-281443860504}" type="datetimeFigureOut">
               <a:rPr lang="en-US" smtClean="0"/>
-              <a:t>4/14/22</a:t>
+              <a:t>4/15/22</a:t>
             </a:fld>
             <a:endParaRPr lang="en-US"/>
           </a:p>
@@ -2356,7 +2356,7 @@
           <a:p>
             <a:fld id="{BADD87DB-56AE-444B-AB5A-281443860504}" type="datetimeFigureOut">
               <a:rPr lang="en-US" smtClean="0"/>
-              <a:t>4/14/22</a:t>
+              <a:t>4/15/22</a:t>
             </a:fld>
             <a:endParaRPr lang="en-US"/>
           </a:p>
@@ -2569,7 +2569,7 @@
           <a:p>
             <a:fld id="{BADD87DB-56AE-444B-AB5A-281443860504}" type="datetimeFigureOut">
               <a:rPr lang="en-US" smtClean="0"/>
-              <a:t>4/14/22</a:t>
+              <a:t>4/15/22</a:t>
             </a:fld>
             <a:endParaRPr lang="en-US"/>
           </a:p>
@@ -3778,7 +3778,7 @@
         </p:blipFill>
         <p:spPr>
           <a:xfrm>
-            <a:off x="6949371" y="5122849"/>
+            <a:off x="6878193" y="5096230"/>
             <a:ext cx="2733306" cy="1463040"/>
           </a:xfrm>
           <a:prstGeom prst="rect">
@@ -3962,35 +3962,6 @@
           </a:p>
         </p:txBody>
       </p:sp>
-      <p:pic>
-        <p:nvPicPr>
-          <p:cNvPr id="47" name="Picture 46">
-            <a:extLst>
-              <a:ext uri="{FF2B5EF4-FFF2-40B4-BE49-F238E27FC236}">
-                <a16:creationId xmlns:a16="http://schemas.microsoft.com/office/drawing/2014/main" id="{1B835BA8-D1A9-FF4B-8BC5-84C8746A2A19}"/>
-              </a:ext>
-            </a:extLst>
-          </p:cNvPr>
-          <p:cNvPicPr>
-            <a:picLocks/>
-          </p:cNvPicPr>
-          <p:nvPr/>
-        </p:nvPicPr>
-        <p:blipFill rotWithShape="1">
-          <a:blip r:embed="rId3"/>
-          <a:srcRect t="37060" r="2565" b="13793"/>
-          <a:stretch/>
-        </p:blipFill>
-        <p:spPr>
-          <a:xfrm rot="16200000">
-            <a:off x="8840650" y="3648835"/>
-            <a:ext cx="1747977" cy="223836"/>
-          </a:xfrm>
-          <a:prstGeom prst="rect">
-            <a:avLst/>
-          </a:prstGeom>
-        </p:spPr>
-      </p:pic>
       <p:sp>
         <p:nvSpPr>
           <p:cNvPr id="48" name="TextBox 47">
@@ -4292,14 +4263,14 @@
           <p:nvPr/>
         </p:nvPicPr>
         <p:blipFill>
-          <a:blip r:embed="rId4"/>
+          <a:blip r:embed="rId3"/>
           <a:stretch>
             <a:fillRect/>
           </a:stretch>
         </p:blipFill>
         <p:spPr>
           <a:xfrm>
-            <a:off x="1765938" y="1213482"/>
+            <a:off x="1803682" y="1209661"/>
             <a:ext cx="2733306" cy="1463040"/>
           </a:xfrm>
           <a:prstGeom prst="rect">
@@ -4322,14 +4293,14 @@
           <p:nvPr/>
         </p:nvPicPr>
         <p:blipFill>
-          <a:blip r:embed="rId5"/>
+          <a:blip r:embed="rId4"/>
           <a:stretch>
             <a:fillRect/>
           </a:stretch>
         </p:blipFill>
         <p:spPr>
           <a:xfrm>
-            <a:off x="4270778" y="1226036"/>
+            <a:off x="4366716" y="1209661"/>
             <a:ext cx="2733306" cy="1463040"/>
           </a:xfrm>
           <a:prstGeom prst="rect">
@@ -4352,14 +4323,14 @@
           <p:nvPr/>
         </p:nvPicPr>
         <p:blipFill>
-          <a:blip r:embed="rId6"/>
+          <a:blip r:embed="rId5"/>
           <a:stretch>
             <a:fillRect/>
           </a:stretch>
         </p:blipFill>
         <p:spPr>
           <a:xfrm>
-            <a:off x="6807016" y="1209661"/>
+            <a:off x="6878193" y="1209661"/>
             <a:ext cx="2733306" cy="1463040"/>
           </a:xfrm>
           <a:prstGeom prst="rect">
@@ -4382,14 +4353,14 @@
           <p:nvPr/>
         </p:nvPicPr>
         <p:blipFill>
-          <a:blip r:embed="rId7"/>
+          <a:blip r:embed="rId6"/>
           <a:stretch>
             <a:fillRect/>
           </a:stretch>
         </p:blipFill>
         <p:spPr>
           <a:xfrm>
-            <a:off x="1827883" y="3133024"/>
+            <a:off x="1803682" y="3133024"/>
             <a:ext cx="2733306" cy="1463040"/>
           </a:xfrm>
           <a:prstGeom prst="rect">
@@ -4412,14 +4383,14 @@
           <p:nvPr/>
         </p:nvPicPr>
         <p:blipFill>
-          <a:blip r:embed="rId8"/>
+          <a:blip r:embed="rId7"/>
           <a:stretch>
             <a:fillRect/>
           </a:stretch>
         </p:blipFill>
         <p:spPr>
           <a:xfrm>
-            <a:off x="4356042" y="3133024"/>
+            <a:off x="4366716" y="3133024"/>
             <a:ext cx="2733306" cy="1463040"/>
           </a:xfrm>
           <a:prstGeom prst="rect">
@@ -4442,14 +4413,14 @@
           <p:nvPr/>
         </p:nvPicPr>
         <p:blipFill>
-          <a:blip r:embed="rId9"/>
+          <a:blip r:embed="rId8"/>
           <a:stretch>
             <a:fillRect/>
           </a:stretch>
         </p:blipFill>
         <p:spPr>
           <a:xfrm>
-            <a:off x="6869414" y="3210942"/>
+            <a:off x="6878193" y="3133024"/>
             <a:ext cx="2733306" cy="1463040"/>
           </a:xfrm>
           <a:prstGeom prst="rect">
@@ -4472,14 +4443,14 @@
           <p:nvPr/>
         </p:nvPicPr>
         <p:blipFill>
-          <a:blip r:embed="rId10"/>
+          <a:blip r:embed="rId9"/>
           <a:stretch>
             <a:fillRect/>
           </a:stretch>
         </p:blipFill>
         <p:spPr>
           <a:xfrm>
-            <a:off x="1841427" y="5106663"/>
+            <a:off x="1803682" y="5096230"/>
             <a:ext cx="2733306" cy="1463040"/>
           </a:xfrm>
           <a:prstGeom prst="rect">
@@ -4502,15 +4473,44 @@
           <p:nvPr/>
         </p:nvPicPr>
         <p:blipFill>
-          <a:blip r:embed="rId11"/>
+          <a:blip r:embed="rId10"/>
           <a:stretch>
             <a:fillRect/>
           </a:stretch>
         </p:blipFill>
         <p:spPr>
           <a:xfrm>
-            <a:off x="4462655" y="5096230"/>
+            <a:off x="4366716" y="5096230"/>
             <a:ext cx="2733306" cy="1463040"/>
+          </a:xfrm>
+          <a:prstGeom prst="rect">
+            <a:avLst/>
+          </a:prstGeom>
+        </p:spPr>
+      </p:pic>
+      <p:pic>
+        <p:nvPicPr>
+          <p:cNvPr id="47" name="Picture 46">
+            <a:extLst>
+              <a:ext uri="{FF2B5EF4-FFF2-40B4-BE49-F238E27FC236}">
+                <a16:creationId xmlns:a16="http://schemas.microsoft.com/office/drawing/2014/main" id="{1B835BA8-D1A9-FF4B-8BC5-84C8746A2A19}"/>
+              </a:ext>
+            </a:extLst>
+          </p:cNvPr>
+          <p:cNvPicPr>
+            <a:picLocks/>
+          </p:cNvPicPr>
+          <p:nvPr/>
+        </p:nvPicPr>
+        <p:blipFill rotWithShape="1">
+          <a:blip r:embed="rId11"/>
+          <a:srcRect t="37060" r="2565" b="13793"/>
+          <a:stretch/>
+        </p:blipFill>
+        <p:spPr>
+          <a:xfrm rot="16200000">
+            <a:off x="8840650" y="3648835"/>
+            <a:ext cx="1747977" cy="223836"/>
           </a:xfrm>
           <a:prstGeom prst="rect">
             <a:avLst/>
